--- a/Amazon_S3_Beginners_V1/Amazon_S3_Beginners_V1.pptx
+++ b/Amazon_S3_Beginners_V1/Amazon_S3_Beginners_V1.pptx
@@ -1511,8 +1511,8 @@
         </p:nvSpPr>
         <p:spPr>
           <a:xfrm>
-            <a:off x="607100" y="1780699"/>
-            <a:ext cx="7929801" cy="2244209"/>
+            <a:off x="297220" y="830084"/>
+            <a:ext cx="8655248" cy="2244209"/>
           </a:xfrm>
           <a:prstGeom prst="rect">
             <a:avLst/>
@@ -1531,17 +1531,26 @@
               <a:buNone/>
             </a:pPr>
             <a:r>
-              <a:rPr lang="en-US" sz="4713" dirty="0">
+              <a:rPr lang="en-US" sz="4400" dirty="0">
                 <a:solidFill>
                   <a:srgbClr val="272D45"/>
                 </a:solidFill>
-                <a:latin typeface="Kanit" pitchFamily="34" charset="0"/>
                 <a:ea typeface="Kanit" pitchFamily="34" charset="-122"/>
                 <a:cs typeface="Kanit" pitchFamily="34" charset="-120"/>
               </a:rPr>
-              <a:t>Amazon Simple Storage Service (S3): Your Gateway to Scalable Cloud Storage</a:t>
-            </a:r>
-            <a:endParaRPr lang="en-US" sz="4713" dirty="0"/>
+              <a:t>Amazon Simple Storage Service (S3): </a:t>
+            </a:r>
+            <a:r>
+              <a:rPr lang="en-US" sz="4800" dirty="0">
+                <a:solidFill>
+                  <a:srgbClr val="272D45"/>
+                </a:solidFill>
+                <a:ea typeface="Kanit" pitchFamily="34" charset="-122"/>
+                <a:cs typeface="Kanit" pitchFamily="34" charset="-120"/>
+              </a:rPr>
+              <a:t>Your Gateway to Scalable Cloud Storage</a:t>
+            </a:r>
+            <a:endParaRPr lang="en-US" sz="4800" dirty="0"/>
           </a:p>
         </p:txBody>
       </p:sp>
@@ -1553,8 +1562,8 @@
         </p:nvSpPr>
         <p:spPr>
           <a:xfrm>
-            <a:off x="607100" y="4285059"/>
-            <a:ext cx="7929801" cy="1665208"/>
+            <a:off x="216932" y="3664386"/>
+            <a:ext cx="8609568" cy="2609413"/>
           </a:xfrm>
           <a:prstGeom prst="rect">
             <a:avLst/>
@@ -1573,17 +1582,106 @@
               <a:buNone/>
             </a:pPr>
             <a:r>
-              <a:rPr lang="en-US" sz="1366" dirty="0">
-                <a:solidFill>
-                  <a:srgbClr val="2C3249"/>
-                </a:solidFill>
-                <a:latin typeface="Martel Sans" pitchFamily="34" charset="0"/>
-                <a:ea typeface="Martel Sans" pitchFamily="34" charset="-122"/>
-                <a:cs typeface="Martel Sans" pitchFamily="34" charset="-120"/>
-              </a:rPr>
-              <a:t>Amazon Simple Storage Service (Amazon S3) is a widely-used object storage service offered by Amazon Web Services (AWS). It allows you to store and retrieve any amount of data from anywhere on the web. This powerful and flexible storage solution is designed to handle a wide range of use cases, from simple file storage to complex data management scenarios. In this presentation, we'll explore the key concepts, basic operations, and essential features of AWS S3, providing you with a comprehensive understanding of this versatile cloud storage service.</a:t>
-            </a:r>
-            <a:endParaRPr lang="en-US" sz="1366" dirty="0"/>
+              <a:rPr lang="en-US" sz="2400" dirty="0">
+                <a:solidFill>
+                  <a:srgbClr val="FF0000"/>
+                </a:solidFill>
+                <a:ea typeface="Martel Sans" pitchFamily="34" charset="-122"/>
+                <a:cs typeface="Martel Sans" pitchFamily="34" charset="-120"/>
+              </a:rPr>
+              <a:t>Amazon Simple Storage Service (Amazon S3) </a:t>
+            </a:r>
+            <a:r>
+              <a:rPr lang="en-US" sz="2400" dirty="0">
+                <a:solidFill>
+                  <a:srgbClr val="2C3249"/>
+                </a:solidFill>
+                <a:ea typeface="Martel Sans" pitchFamily="34" charset="-122"/>
+                <a:cs typeface="Martel Sans" pitchFamily="34" charset="-120"/>
+              </a:rPr>
+              <a:t>is a widely-used </a:t>
+            </a:r>
+            <a:r>
+              <a:rPr lang="en-US" sz="2400" dirty="0">
+                <a:solidFill>
+                  <a:srgbClr val="FF0000"/>
+                </a:solidFill>
+                <a:ea typeface="Martel Sans" pitchFamily="34" charset="-122"/>
+                <a:cs typeface="Martel Sans" pitchFamily="34" charset="-120"/>
+              </a:rPr>
+              <a:t>object storage service </a:t>
+            </a:r>
+            <a:r>
+              <a:rPr lang="en-US" sz="2400" dirty="0">
+                <a:solidFill>
+                  <a:srgbClr val="2C3249"/>
+                </a:solidFill>
+                <a:ea typeface="Martel Sans" pitchFamily="34" charset="-122"/>
+                <a:cs typeface="Martel Sans" pitchFamily="34" charset="-120"/>
+              </a:rPr>
+              <a:t>offered by </a:t>
+            </a:r>
+            <a:r>
+              <a:rPr lang="en-US" sz="2400" dirty="0">
+                <a:solidFill>
+                  <a:srgbClr val="FF0000"/>
+                </a:solidFill>
+                <a:ea typeface="Martel Sans" pitchFamily="34" charset="-122"/>
+                <a:cs typeface="Martel Sans" pitchFamily="34" charset="-120"/>
+              </a:rPr>
+              <a:t>Amazon Web Services (AWS). </a:t>
+            </a:r>
+            <a:r>
+              <a:rPr lang="en-US" sz="2400" dirty="0">
+                <a:solidFill>
+                  <a:srgbClr val="2C3249"/>
+                </a:solidFill>
+                <a:ea typeface="Martel Sans" pitchFamily="34" charset="-122"/>
+                <a:cs typeface="Martel Sans" pitchFamily="34" charset="-120"/>
+              </a:rPr>
+              <a:t>It allows you to </a:t>
+            </a:r>
+            <a:r>
+              <a:rPr lang="en-US" sz="2400" dirty="0">
+                <a:solidFill>
+                  <a:srgbClr val="FF0000"/>
+                </a:solidFill>
+                <a:ea typeface="Martel Sans" pitchFamily="34" charset="-122"/>
+                <a:cs typeface="Martel Sans" pitchFamily="34" charset="-120"/>
+              </a:rPr>
+              <a:t>store and retrieve any amount of data from anywhere on the web</a:t>
+            </a:r>
+            <a:r>
+              <a:rPr lang="en-US" sz="2400" dirty="0">
+                <a:solidFill>
+                  <a:srgbClr val="2C3249"/>
+                </a:solidFill>
+                <a:ea typeface="Martel Sans" pitchFamily="34" charset="-122"/>
+                <a:cs typeface="Martel Sans" pitchFamily="34" charset="-120"/>
+              </a:rPr>
+              <a:t>. This powerful and flexible storage solution is designed to handle a wide range of use cases, </a:t>
+            </a:r>
+            <a:r>
+              <a:rPr lang="en-US" sz="2400" dirty="0">
+                <a:solidFill>
+                  <a:srgbClr val="FF0000"/>
+                </a:solidFill>
+                <a:ea typeface="Martel Sans" pitchFamily="34" charset="-122"/>
+                <a:cs typeface="Martel Sans" pitchFamily="34" charset="-120"/>
+              </a:rPr>
+              <a:t>from simple file storage to complex data management scenarios</a:t>
+            </a:r>
+            <a:r>
+              <a:rPr lang="en-US" sz="2400" dirty="0">
+                <a:solidFill>
+                  <a:srgbClr val="2C3249"/>
+                </a:solidFill>
+                <a:ea typeface="Martel Sans" pitchFamily="34" charset="-122"/>
+                <a:cs typeface="Martel Sans" pitchFamily="34" charset="-120"/>
+              </a:rPr>
+              <a:t>. In this presentation, we'll explore the key concepts, basic operations, and essential features of AWS S3, providing you with a comprehensive understanding of this versatile cloud storage service.</a:t>
+            </a:r>
+            <a:endParaRPr lang="en-US" sz="2400" dirty="0"/>
           </a:p>
         </p:txBody>
       </p:sp>
@@ -1628,7 +1726,7 @@
         </p:blipFill>
         <p:spPr>
           <a:xfrm>
-            <a:off x="614720" y="6166009"/>
+            <a:off x="297220" y="6839109"/>
             <a:ext cx="262295" cy="262295"/>
           </a:xfrm>
           <a:prstGeom prst="rect">
@@ -1644,7 +1742,7 @@
         </p:nvSpPr>
         <p:spPr>
           <a:xfrm>
-            <a:off x="971312" y="6145411"/>
+            <a:off x="653812" y="6818511"/>
             <a:ext cx="1548527" cy="303490"/>
           </a:xfrm>
           <a:prstGeom prst="rect">
@@ -1664,17 +1762,16 @@
               <a:buNone/>
             </a:pPr>
             <a:r>
-              <a:rPr lang="en-US" sz="1707" b="1" dirty="0">
-                <a:solidFill>
-                  <a:srgbClr val="2C3249"/>
-                </a:solidFill>
-                <a:latin typeface="Martel Sans" pitchFamily="34" charset="0"/>
+              <a:rPr lang="en-US" sz="2800" b="1" dirty="0">
+                <a:solidFill>
+                  <a:srgbClr val="2C3249"/>
+                </a:solidFill>
                 <a:ea typeface="Martel Sans" pitchFamily="34" charset="-122"/>
                 <a:cs typeface="Martel Sans" pitchFamily="34" charset="-120"/>
               </a:rPr>
               <a:t>by Ram N Java</a:t>
             </a:r>
-            <a:endParaRPr lang="en-US" sz="1707" dirty="0"/>
+            <a:endParaRPr lang="en-US" sz="2800" dirty="0"/>
           </a:p>
         </p:txBody>
       </p:sp>
@@ -1799,7 +1896,7 @@
         </p:nvSpPr>
         <p:spPr>
           <a:xfrm>
-            <a:off x="6164104" y="1010245"/>
+            <a:off x="6164104" y="832445"/>
             <a:ext cx="7788593" cy="1210151"/>
           </a:xfrm>
           <a:prstGeom prst="rect">
@@ -1819,17 +1916,16 @@
               <a:buNone/>
             </a:pPr>
             <a:r>
-              <a:rPr lang="en-US" sz="3812" dirty="0">
+              <a:rPr lang="en-US" sz="5400" dirty="0">
                 <a:solidFill>
                   <a:srgbClr val="272D45"/>
                 </a:solidFill>
-                <a:latin typeface="Kanit" pitchFamily="34" charset="0"/>
                 <a:ea typeface="Kanit" pitchFamily="34" charset="-122"/>
                 <a:cs typeface="Kanit" pitchFamily="34" charset="-120"/>
               </a:rPr>
               <a:t>Conclusion: Harnessing the Power of AWS S3</a:t>
             </a:r>
-            <a:endParaRPr lang="en-US" sz="3812" dirty="0"/>
+            <a:endParaRPr lang="en-US" sz="5400" dirty="0"/>
           </a:p>
         </p:txBody>
       </p:sp>
@@ -1841,8 +1937,8 @@
         </p:nvSpPr>
         <p:spPr>
           <a:xfrm>
-            <a:off x="6164104" y="2510790"/>
-            <a:ext cx="7788593" cy="1440418"/>
+            <a:off x="6164104" y="2332989"/>
+            <a:ext cx="7788593" cy="1634811"/>
           </a:xfrm>
           <a:prstGeom prst="roundRect">
             <a:avLst>
@@ -1868,8 +1964,8 @@
         </p:nvSpPr>
         <p:spPr>
           <a:xfrm>
-            <a:off x="6365319" y="2712006"/>
-            <a:ext cx="2756416" cy="302538"/>
+            <a:off x="6365319" y="2534205"/>
+            <a:ext cx="2756416" cy="343367"/>
           </a:xfrm>
           <a:prstGeom prst="rect">
             <a:avLst/>
@@ -1888,17 +1984,16 @@
               <a:buNone/>
             </a:pPr>
             <a:r>
-              <a:rPr lang="en-US" sz="1906" dirty="0">
-                <a:solidFill>
-                  <a:srgbClr val="2C3249"/>
-                </a:solidFill>
-                <a:latin typeface="Kanit" pitchFamily="34" charset="0"/>
+              <a:rPr lang="en-US" sz="3200" b="1" dirty="0">
+                <a:solidFill>
+                  <a:srgbClr val="2C3249"/>
+                </a:solidFill>
                 <a:ea typeface="Kanit" pitchFamily="34" charset="-122"/>
                 <a:cs typeface="Kanit" pitchFamily="34" charset="-120"/>
               </a:rPr>
               <a:t>Versatile Storage Solution</a:t>
             </a:r>
-            <a:endParaRPr lang="en-US" sz="1906" dirty="0"/>
+            <a:endParaRPr lang="en-US" sz="3200" b="1" dirty="0"/>
           </a:p>
         </p:txBody>
       </p:sp>
@@ -1910,8 +2005,8 @@
         </p:nvSpPr>
         <p:spPr>
           <a:xfrm>
-            <a:off x="6365319" y="3130629"/>
-            <a:ext cx="7386161" cy="619363"/>
+            <a:off x="6365319" y="2952829"/>
+            <a:ext cx="7386161" cy="702950"/>
           </a:xfrm>
           <a:prstGeom prst="rect">
             <a:avLst/>
@@ -1930,17 +2025,46 @@
               <a:buNone/>
             </a:pPr>
             <a:r>
-              <a:rPr lang="en-US" sz="1525" dirty="0">
-                <a:solidFill>
-                  <a:srgbClr val="2C3249"/>
-                </a:solidFill>
-                <a:latin typeface="Martel Sans" pitchFamily="34" charset="0"/>
-                <a:ea typeface="Martel Sans" pitchFamily="34" charset="-122"/>
-                <a:cs typeface="Martel Sans" pitchFamily="34" charset="-120"/>
-              </a:rPr>
-              <a:t>AWS S3 is a powerful and flexible storage service that can handle a wide range of use cases, from simple file storage to complex data management scenarios.</a:t>
-            </a:r>
-            <a:endParaRPr lang="en-US" sz="1525" dirty="0"/>
+              <a:rPr lang="en-US" sz="2400" dirty="0">
+                <a:solidFill>
+                  <a:srgbClr val="FF0000"/>
+                </a:solidFill>
+                <a:ea typeface="Martel Sans" pitchFamily="34" charset="-122"/>
+                <a:cs typeface="Martel Sans" pitchFamily="34" charset="-120"/>
+              </a:rPr>
+              <a:t>AWS S3 </a:t>
+            </a:r>
+            <a:r>
+              <a:rPr lang="en-US" sz="2400" dirty="0">
+                <a:solidFill>
+                  <a:srgbClr val="2C3249"/>
+                </a:solidFill>
+                <a:ea typeface="Martel Sans" pitchFamily="34" charset="-122"/>
+                <a:cs typeface="Martel Sans" pitchFamily="34" charset="-120"/>
+              </a:rPr>
+              <a:t>is a powerful and flexible </a:t>
+            </a:r>
+            <a:r>
+              <a:rPr lang="en-US" sz="2400" dirty="0">
+                <a:solidFill>
+                  <a:srgbClr val="FF0000"/>
+                </a:solidFill>
+                <a:ea typeface="Martel Sans" pitchFamily="34" charset="-122"/>
+                <a:cs typeface="Martel Sans" pitchFamily="34" charset="-120"/>
+              </a:rPr>
+              <a:t>storage service </a:t>
+            </a:r>
+            <a:r>
+              <a:rPr lang="en-US" sz="2400" dirty="0">
+                <a:solidFill>
+                  <a:srgbClr val="2C3249"/>
+                </a:solidFill>
+                <a:ea typeface="Martel Sans" pitchFamily="34" charset="-122"/>
+                <a:cs typeface="Martel Sans" pitchFamily="34" charset="-120"/>
+              </a:rPr>
+              <a:t>that can handle a wide range of use cases, from simple file storage to complex data management scenarios.</a:t>
+            </a:r>
+            <a:endParaRPr lang="en-US" sz="2400" dirty="0"/>
           </a:p>
         </p:txBody>
       </p:sp>
@@ -1952,8 +2076,8 @@
         </p:nvSpPr>
         <p:spPr>
           <a:xfrm>
-            <a:off x="6164104" y="4144804"/>
-            <a:ext cx="7788593" cy="1440418"/>
+            <a:off x="6164104" y="4169016"/>
+            <a:ext cx="7788593" cy="1773237"/>
           </a:xfrm>
           <a:prstGeom prst="roundRect">
             <a:avLst>
@@ -1979,8 +2103,8 @@
         </p:nvSpPr>
         <p:spPr>
           <a:xfrm>
-            <a:off x="6365319" y="4346019"/>
-            <a:ext cx="2626281" cy="302538"/>
+            <a:off x="6365319" y="4330858"/>
+            <a:ext cx="2626281" cy="343368"/>
           </a:xfrm>
           <a:prstGeom prst="rect">
             <a:avLst/>
@@ -1999,17 +2123,16 @@
               <a:buNone/>
             </a:pPr>
             <a:r>
-              <a:rPr lang="en-US" sz="1906" dirty="0">
-                <a:solidFill>
-                  <a:srgbClr val="2C3249"/>
-                </a:solidFill>
-                <a:latin typeface="Kanit" pitchFamily="34" charset="0"/>
+              <a:rPr lang="en-US" sz="3200" b="1" dirty="0">
+                <a:solidFill>
+                  <a:srgbClr val="2C3249"/>
+                </a:solidFill>
                 <a:ea typeface="Kanit" pitchFamily="34" charset="-122"/>
                 <a:cs typeface="Kanit" pitchFamily="34" charset="-120"/>
               </a:rPr>
               <a:t>Comprehensive Features</a:t>
             </a:r>
-            <a:endParaRPr lang="en-US" sz="1906" dirty="0"/>
+            <a:endParaRPr lang="en-US" sz="3200" b="1" dirty="0"/>
           </a:p>
         </p:txBody>
       </p:sp>
@@ -2021,8 +2144,8 @@
         </p:nvSpPr>
         <p:spPr>
           <a:xfrm>
-            <a:off x="6365319" y="4764643"/>
-            <a:ext cx="7386161" cy="619363"/>
+            <a:off x="6365319" y="4749482"/>
+            <a:ext cx="7386161" cy="702949"/>
           </a:xfrm>
           <a:prstGeom prst="rect">
             <a:avLst/>
@@ -2041,17 +2164,36 @@
               <a:buNone/>
             </a:pPr>
             <a:r>
-              <a:rPr lang="en-US" sz="1525" dirty="0">
-                <a:solidFill>
-                  <a:srgbClr val="2C3249"/>
-                </a:solidFill>
-                <a:latin typeface="Martel Sans" pitchFamily="34" charset="0"/>
-                <a:ea typeface="Martel Sans" pitchFamily="34" charset="-122"/>
-                <a:cs typeface="Martel Sans" pitchFamily="34" charset="-120"/>
-              </a:rPr>
-              <a:t>By understanding the basic concepts, operations, and features of S3, you can effectively leverage this service to meet your storage needs.</a:t>
-            </a:r>
-            <a:endParaRPr lang="en-US" sz="1525" dirty="0"/>
+              <a:rPr lang="en-US" sz="2400" dirty="0">
+                <a:solidFill>
+                  <a:srgbClr val="2C3249"/>
+                </a:solidFill>
+                <a:ea typeface="Martel Sans" pitchFamily="34" charset="-122"/>
+                <a:cs typeface="Martel Sans" pitchFamily="34" charset="-120"/>
+              </a:rPr>
+              <a:t>By understanding the basic concepts, operations, and features of S3, you can effectively leverage this service to meet your </a:t>
+            </a:r>
+            <a:r>
+              <a:rPr lang="en-US" sz="2400" dirty="0">
+                <a:solidFill>
+                  <a:srgbClr val="FF0000"/>
+                </a:solidFill>
+                <a:ea typeface="Martel Sans" pitchFamily="34" charset="-122"/>
+                <a:cs typeface="Martel Sans" pitchFamily="34" charset="-120"/>
+              </a:rPr>
+              <a:t>storage</a:t>
+            </a:r>
+            <a:r>
+              <a:rPr lang="en-US" sz="2400" dirty="0">
+                <a:solidFill>
+                  <a:srgbClr val="2C3249"/>
+                </a:solidFill>
+                <a:ea typeface="Martel Sans" pitchFamily="34" charset="-122"/>
+                <a:cs typeface="Martel Sans" pitchFamily="34" charset="-120"/>
+              </a:rPr>
+              <a:t> needs.</a:t>
+            </a:r>
+            <a:endParaRPr lang="en-US" sz="2400" dirty="0"/>
           </a:p>
         </p:txBody>
       </p:sp>
@@ -2063,8 +2205,8 @@
         </p:nvSpPr>
         <p:spPr>
           <a:xfrm>
-            <a:off x="6164104" y="5778817"/>
-            <a:ext cx="7788593" cy="1440418"/>
+            <a:off x="6164104" y="6121716"/>
+            <a:ext cx="7788593" cy="1714183"/>
           </a:xfrm>
           <a:prstGeom prst="roundRect">
             <a:avLst>
@@ -2090,8 +2232,8 @@
         </p:nvSpPr>
         <p:spPr>
           <a:xfrm>
-            <a:off x="6365319" y="5980033"/>
-            <a:ext cx="2420422" cy="302538"/>
+            <a:off x="6365319" y="6322933"/>
+            <a:ext cx="2420422" cy="360038"/>
           </a:xfrm>
           <a:prstGeom prst="rect">
             <a:avLst/>
@@ -2110,17 +2252,16 @@
               <a:buNone/>
             </a:pPr>
             <a:r>
-              <a:rPr lang="en-US" sz="1906" dirty="0">
-                <a:solidFill>
-                  <a:srgbClr val="2C3249"/>
-                </a:solidFill>
-                <a:latin typeface="Kanit" pitchFamily="34" charset="0"/>
+              <a:rPr lang="en-US" sz="3200" b="1" dirty="0">
+                <a:solidFill>
+                  <a:srgbClr val="2C3249"/>
+                </a:solidFill>
                 <a:ea typeface="Kanit" pitchFamily="34" charset="-122"/>
                 <a:cs typeface="Kanit" pitchFamily="34" charset="-120"/>
               </a:rPr>
               <a:t>Scalable and Reliable</a:t>
             </a:r>
-            <a:endParaRPr lang="en-US" sz="1906" dirty="0"/>
+            <a:endParaRPr lang="en-US" sz="3200" b="1" dirty="0"/>
           </a:p>
         </p:txBody>
       </p:sp>
@@ -2132,8 +2273,8 @@
         </p:nvSpPr>
         <p:spPr>
           <a:xfrm>
-            <a:off x="6365319" y="6398657"/>
-            <a:ext cx="7386161" cy="619363"/>
+            <a:off x="6365319" y="6741557"/>
+            <a:ext cx="7386161" cy="737079"/>
           </a:xfrm>
           <a:prstGeom prst="rect">
             <a:avLst/>
@@ -2152,17 +2293,36 @@
               <a:buNone/>
             </a:pPr>
             <a:r>
-              <a:rPr lang="en-US" sz="1525" dirty="0">
-                <a:solidFill>
-                  <a:srgbClr val="2C3249"/>
-                </a:solidFill>
-                <a:latin typeface="Martel Sans" pitchFamily="34" charset="0"/>
-                <a:ea typeface="Martel Sans" pitchFamily="34" charset="-122"/>
-                <a:cs typeface="Martel Sans" pitchFamily="34" charset="-120"/>
-              </a:rPr>
-              <a:t>With its scalability, durability, and high availability, S3 provides a robust foundation for your data storage requirements in the cloud.</a:t>
-            </a:r>
-            <a:endParaRPr lang="en-US" sz="1525" dirty="0"/>
+              <a:rPr lang="en-US" sz="2400" dirty="0">
+                <a:solidFill>
+                  <a:srgbClr val="2C3249"/>
+                </a:solidFill>
+                <a:ea typeface="Martel Sans" pitchFamily="34" charset="-122"/>
+                <a:cs typeface="Martel Sans" pitchFamily="34" charset="-120"/>
+              </a:rPr>
+              <a:t>With its </a:t>
+            </a:r>
+            <a:r>
+              <a:rPr lang="en-US" sz="2400" dirty="0">
+                <a:solidFill>
+                  <a:srgbClr val="FF0000"/>
+                </a:solidFill>
+                <a:ea typeface="Martel Sans" pitchFamily="34" charset="-122"/>
+                <a:cs typeface="Martel Sans" pitchFamily="34" charset="-120"/>
+              </a:rPr>
+              <a:t>scalability, durability, and high availability</a:t>
+            </a:r>
+            <a:r>
+              <a:rPr lang="en-US" sz="2400" dirty="0">
+                <a:solidFill>
+                  <a:srgbClr val="2C3249"/>
+                </a:solidFill>
+                <a:ea typeface="Martel Sans" pitchFamily="34" charset="-122"/>
+                <a:cs typeface="Martel Sans" pitchFamily="34" charset="-120"/>
+              </a:rPr>
+              <a:t>, S3 provides a robust foundation for your data storage requirements in the cloud.</a:t>
+            </a:r>
+            <a:endParaRPr lang="en-US" sz="2400" dirty="0"/>
           </a:p>
         </p:txBody>
       </p:sp>
@@ -2263,7 +2423,6 @@
                 <a:solidFill>
                   <a:srgbClr val="272D45"/>
                 </a:solidFill>
-                <a:latin typeface="Kanit" pitchFamily="34" charset="0"/>
                 <a:ea typeface="Kanit" pitchFamily="34" charset="-122"/>
                 <a:cs typeface="Kanit" pitchFamily="34" charset="-120"/>
               </a:rPr>
@@ -2301,17 +2460,16 @@
               <a:buNone/>
             </a:pPr>
             <a:r>
-              <a:rPr lang="en-US" sz="2430" dirty="0">
+              <a:rPr lang="en-US" sz="3200" b="1" dirty="0">
                 <a:solidFill>
                   <a:srgbClr val="272D45"/>
                 </a:solidFill>
-                <a:latin typeface="Kanit" pitchFamily="34" charset="0"/>
                 <a:ea typeface="Kanit" pitchFamily="34" charset="-122"/>
                 <a:cs typeface="Kanit" pitchFamily="34" charset="-120"/>
               </a:rPr>
               <a:t>Object Storage</a:t>
             </a:r>
-            <a:endParaRPr lang="en-US" sz="2430" dirty="0"/>
+            <a:endParaRPr lang="en-US" sz="3200" b="1" dirty="0"/>
           </a:p>
         </p:txBody>
       </p:sp>
@@ -2343,17 +2501,106 @@
               <a:buNone/>
             </a:pPr>
             <a:r>
-              <a:rPr lang="en-US" sz="1944" dirty="0">
-                <a:solidFill>
-                  <a:srgbClr val="2C3249"/>
-                </a:solidFill>
-                <a:latin typeface="Martel Sans" pitchFamily="34" charset="0"/>
-                <a:ea typeface="Martel Sans" pitchFamily="34" charset="-122"/>
-                <a:cs typeface="Martel Sans" pitchFamily="34" charset="-120"/>
-              </a:rPr>
-              <a:t>Objects: Data in S3 is stored as objects. Each object consists of the data itself, metadata (information about the data), and a unique identifier (key).</a:t>
-            </a:r>
-            <a:endParaRPr lang="en-US" sz="1944" dirty="0"/>
+              <a:rPr lang="en-US" sz="2400" b="1" dirty="0">
+                <a:solidFill>
+                  <a:srgbClr val="2C3249"/>
+                </a:solidFill>
+                <a:ea typeface="Martel Sans" pitchFamily="34" charset="-122"/>
+                <a:cs typeface="Martel Sans" pitchFamily="34" charset="-120"/>
+              </a:rPr>
+              <a:t>Objects</a:t>
+            </a:r>
+            <a:r>
+              <a:rPr lang="en-US" sz="2400" dirty="0">
+                <a:solidFill>
+                  <a:srgbClr val="2C3249"/>
+                </a:solidFill>
+                <a:ea typeface="Martel Sans" pitchFamily="34" charset="-122"/>
+                <a:cs typeface="Martel Sans" pitchFamily="34" charset="-120"/>
+              </a:rPr>
+              <a:t>: </a:t>
+            </a:r>
+            <a:r>
+              <a:rPr lang="en-US" sz="2400" dirty="0">
+                <a:solidFill>
+                  <a:srgbClr val="FF0000"/>
+                </a:solidFill>
+                <a:ea typeface="Martel Sans" pitchFamily="34" charset="-122"/>
+                <a:cs typeface="Martel Sans" pitchFamily="34" charset="-120"/>
+              </a:rPr>
+              <a:t>Data in S3 is stored as objects</a:t>
+            </a:r>
+            <a:r>
+              <a:rPr lang="en-US" sz="2400" dirty="0">
+                <a:solidFill>
+                  <a:srgbClr val="2C3249"/>
+                </a:solidFill>
+                <a:ea typeface="Martel Sans" pitchFamily="34" charset="-122"/>
+                <a:cs typeface="Martel Sans" pitchFamily="34" charset="-120"/>
+              </a:rPr>
+              <a:t>. Each object consists of the </a:t>
+            </a:r>
+            <a:r>
+              <a:rPr lang="en-US" sz="2400" dirty="0">
+                <a:solidFill>
+                  <a:srgbClr val="FF0000"/>
+                </a:solidFill>
+                <a:ea typeface="Martel Sans" pitchFamily="34" charset="-122"/>
+                <a:cs typeface="Martel Sans" pitchFamily="34" charset="-120"/>
+              </a:rPr>
+              <a:t>data</a:t>
+            </a:r>
+            <a:r>
+              <a:rPr lang="en-US" sz="2400" dirty="0">
+                <a:solidFill>
+                  <a:srgbClr val="2C3249"/>
+                </a:solidFill>
+                <a:ea typeface="Martel Sans" pitchFamily="34" charset="-122"/>
+                <a:cs typeface="Martel Sans" pitchFamily="34" charset="-120"/>
+              </a:rPr>
+              <a:t> itself, </a:t>
+            </a:r>
+            <a:r>
+              <a:rPr lang="en-US" sz="2400" dirty="0">
+                <a:solidFill>
+                  <a:srgbClr val="FF0000"/>
+                </a:solidFill>
+                <a:ea typeface="Martel Sans" pitchFamily="34" charset="-122"/>
+                <a:cs typeface="Martel Sans" pitchFamily="34" charset="-120"/>
+              </a:rPr>
+              <a:t>metadata</a:t>
+            </a:r>
+            <a:r>
+              <a:rPr lang="en-US" sz="2400" dirty="0">
+                <a:solidFill>
+                  <a:srgbClr val="2C3249"/>
+                </a:solidFill>
+                <a:ea typeface="Martel Sans" pitchFamily="34" charset="-122"/>
+                <a:cs typeface="Martel Sans" pitchFamily="34" charset="-120"/>
+              </a:rPr>
+              <a:t> (information about the data), and a </a:t>
+            </a:r>
+            <a:r>
+              <a:rPr lang="en-US" sz="2400" dirty="0">
+                <a:solidFill>
+                  <a:srgbClr val="FF0000"/>
+                </a:solidFill>
+                <a:ea typeface="Martel Sans" pitchFamily="34" charset="-122"/>
+                <a:cs typeface="Martel Sans" pitchFamily="34" charset="-120"/>
+              </a:rPr>
+              <a:t>unique identifier</a:t>
+            </a:r>
+            <a:r>
+              <a:rPr lang="en-US" sz="2400" dirty="0">
+                <a:solidFill>
+                  <a:srgbClr val="2C3249"/>
+                </a:solidFill>
+                <a:ea typeface="Martel Sans" pitchFamily="34" charset="-122"/>
+                <a:cs typeface="Martel Sans" pitchFamily="34" charset="-120"/>
+              </a:rPr>
+              <a:t> (key).</a:t>
+            </a:r>
+            <a:endParaRPr lang="en-US" sz="2400" dirty="0"/>
           </a:p>
         </p:txBody>
       </p:sp>
@@ -2365,7 +2612,7 @@
         </p:nvSpPr>
         <p:spPr>
           <a:xfrm>
-            <a:off x="864037" y="5125403"/>
+            <a:off x="850226" y="5696903"/>
             <a:ext cx="3898821" cy="1975247"/>
           </a:xfrm>
           <a:prstGeom prst="rect">
@@ -2385,17 +2632,96 @@
               <a:buNone/>
             </a:pPr>
             <a:r>
-              <a:rPr lang="en-US" sz="1944" dirty="0">
-                <a:solidFill>
-                  <a:srgbClr val="2C3249"/>
-                </a:solidFill>
-                <a:latin typeface="Martel Sans" pitchFamily="34" charset="0"/>
-                <a:ea typeface="Martel Sans" pitchFamily="34" charset="-122"/>
-                <a:cs typeface="Martel Sans" pitchFamily="34" charset="-120"/>
-              </a:rPr>
-              <a:t>Buckets: Objects are stored in containers called buckets. A bucket is like a folder or directory where you can organize your data.</a:t>
-            </a:r>
-            <a:endParaRPr lang="en-US" sz="1944" dirty="0"/>
+              <a:rPr lang="en-US" sz="2400" b="1" dirty="0">
+                <a:solidFill>
+                  <a:srgbClr val="2C3249"/>
+                </a:solidFill>
+                <a:ea typeface="Martel Sans" pitchFamily="34" charset="-122"/>
+                <a:cs typeface="Martel Sans" pitchFamily="34" charset="-120"/>
+              </a:rPr>
+              <a:t>Buckets: </a:t>
+            </a:r>
+            <a:r>
+              <a:rPr lang="en-US" sz="2400" dirty="0">
+                <a:solidFill>
+                  <a:srgbClr val="FF0000"/>
+                </a:solidFill>
+                <a:ea typeface="Martel Sans" pitchFamily="34" charset="-122"/>
+                <a:cs typeface="Martel Sans" pitchFamily="34" charset="-120"/>
+              </a:rPr>
+              <a:t>Objects are stored in containers called buckets</a:t>
+            </a:r>
+            <a:r>
+              <a:rPr lang="en-US" sz="2400" dirty="0">
+                <a:solidFill>
+                  <a:srgbClr val="2C3249"/>
+                </a:solidFill>
+                <a:ea typeface="Martel Sans" pitchFamily="34" charset="-122"/>
+                <a:cs typeface="Martel Sans" pitchFamily="34" charset="-120"/>
+              </a:rPr>
+              <a:t>. A </a:t>
+            </a:r>
+            <a:r>
+              <a:rPr lang="en-US" sz="2400" dirty="0">
+                <a:solidFill>
+                  <a:srgbClr val="FF0000"/>
+                </a:solidFill>
+                <a:ea typeface="Martel Sans" pitchFamily="34" charset="-122"/>
+                <a:cs typeface="Martel Sans" pitchFamily="34" charset="-120"/>
+              </a:rPr>
+              <a:t>bucket</a:t>
+            </a:r>
+            <a:r>
+              <a:rPr lang="en-US" sz="2400" dirty="0">
+                <a:solidFill>
+                  <a:srgbClr val="2C3249"/>
+                </a:solidFill>
+                <a:ea typeface="Martel Sans" pitchFamily="34" charset="-122"/>
+                <a:cs typeface="Martel Sans" pitchFamily="34" charset="-120"/>
+              </a:rPr>
+              <a:t> is like a </a:t>
+            </a:r>
+            <a:r>
+              <a:rPr lang="en-US" sz="2400" dirty="0">
+                <a:solidFill>
+                  <a:srgbClr val="FF0000"/>
+                </a:solidFill>
+                <a:ea typeface="Martel Sans" pitchFamily="34" charset="-122"/>
+                <a:cs typeface="Martel Sans" pitchFamily="34" charset="-120"/>
+              </a:rPr>
+              <a:t>folder</a:t>
+            </a:r>
+            <a:r>
+              <a:rPr lang="en-US" sz="2400" dirty="0">
+                <a:solidFill>
+                  <a:srgbClr val="2C3249"/>
+                </a:solidFill>
+                <a:ea typeface="Martel Sans" pitchFamily="34" charset="-122"/>
+                <a:cs typeface="Martel Sans" pitchFamily="34" charset="-120"/>
+              </a:rPr>
+              <a:t> or </a:t>
+            </a:r>
+            <a:r>
+              <a:rPr lang="en-US" sz="2400" dirty="0">
+                <a:solidFill>
+                  <a:srgbClr val="FF0000"/>
+                </a:solidFill>
+                <a:ea typeface="Martel Sans" pitchFamily="34" charset="-122"/>
+                <a:cs typeface="Martel Sans" pitchFamily="34" charset="-120"/>
+              </a:rPr>
+              <a:t>directory</a:t>
+            </a:r>
+            <a:r>
+              <a:rPr lang="en-US" sz="2400" dirty="0">
+                <a:solidFill>
+                  <a:srgbClr val="2C3249"/>
+                </a:solidFill>
+                <a:ea typeface="Martel Sans" pitchFamily="34" charset="-122"/>
+                <a:cs typeface="Martel Sans" pitchFamily="34" charset="-120"/>
+              </a:rPr>
+              <a:t> where you can organize your data.</a:t>
+            </a:r>
+            <a:endParaRPr lang="en-US" sz="2400" dirty="0"/>
           </a:p>
         </p:txBody>
       </p:sp>
@@ -2427,17 +2753,16 @@
               <a:buNone/>
             </a:pPr>
             <a:r>
-              <a:rPr lang="en-US" sz="2430" dirty="0">
+              <a:rPr lang="en-US" sz="3200" b="1" dirty="0">
                 <a:solidFill>
                   <a:srgbClr val="272D45"/>
                 </a:solidFill>
-                <a:latin typeface="Kanit" pitchFamily="34" charset="0"/>
                 <a:ea typeface="Kanit" pitchFamily="34" charset="-122"/>
                 <a:cs typeface="Kanit" pitchFamily="34" charset="-120"/>
               </a:rPr>
               <a:t>Scalability</a:t>
             </a:r>
-            <a:endParaRPr lang="en-US" sz="2430" dirty="0"/>
+            <a:endParaRPr lang="en-US" sz="3200" b="1" dirty="0"/>
           </a:p>
         </p:txBody>
       </p:sp>
@@ -2469,17 +2794,26 @@
               <a:buNone/>
             </a:pPr>
             <a:r>
-              <a:rPr lang="en-US" sz="1944" dirty="0">
-                <a:solidFill>
-                  <a:srgbClr val="2C3249"/>
-                </a:solidFill>
-                <a:latin typeface="Martel Sans" pitchFamily="34" charset="0"/>
-                <a:ea typeface="Martel Sans" pitchFamily="34" charset="-122"/>
-                <a:cs typeface="Martel Sans" pitchFamily="34" charset="-120"/>
-              </a:rPr>
-              <a:t>S3 automatically scales to handle large amounts of data and a high number of requests without requiring any configuration or management from the user.</a:t>
-            </a:r>
-            <a:endParaRPr lang="en-US" sz="1944" dirty="0"/>
+              <a:rPr lang="en-US" sz="2400" dirty="0">
+                <a:solidFill>
+                  <a:srgbClr val="FF0000"/>
+                </a:solidFill>
+                <a:ea typeface="Martel Sans" pitchFamily="34" charset="-122"/>
+                <a:cs typeface="Martel Sans" pitchFamily="34" charset="-120"/>
+              </a:rPr>
+              <a:t>S3 automatically scales to handle large amounts of data and a high number of requests</a:t>
+            </a:r>
+            <a:r>
+              <a:rPr lang="en-US" sz="2400" dirty="0">
+                <a:solidFill>
+                  <a:srgbClr val="2C3249"/>
+                </a:solidFill>
+                <a:ea typeface="Martel Sans" pitchFamily="34" charset="-122"/>
+                <a:cs typeface="Martel Sans" pitchFamily="34" charset="-120"/>
+              </a:rPr>
+              <a:t> without requiring any configuration or management from the user.</a:t>
+            </a:r>
+            <a:endParaRPr lang="en-US" sz="2400" dirty="0"/>
           </a:p>
         </p:txBody>
       </p:sp>
@@ -2511,17 +2845,16 @@
               <a:buNone/>
             </a:pPr>
             <a:r>
-              <a:rPr lang="en-US" sz="2430" dirty="0">
+              <a:rPr lang="en-US" sz="3200" b="1" dirty="0">
                 <a:solidFill>
                   <a:srgbClr val="272D45"/>
                 </a:solidFill>
-                <a:latin typeface="Kanit" pitchFamily="34" charset="0"/>
                 <a:ea typeface="Kanit" pitchFamily="34" charset="-122"/>
                 <a:cs typeface="Kanit" pitchFamily="34" charset="-120"/>
               </a:rPr>
               <a:t>Durability and Availability</a:t>
             </a:r>
-            <a:endParaRPr lang="en-US" sz="2430" dirty="0"/>
+            <a:endParaRPr lang="en-US" sz="3200" b="1" dirty="0"/>
           </a:p>
         </p:txBody>
       </p:sp>
@@ -2553,17 +2886,26 @@
               <a:buNone/>
             </a:pPr>
             <a:r>
-              <a:rPr lang="en-US" sz="1944" dirty="0">
-                <a:solidFill>
-                  <a:srgbClr val="2C3249"/>
-                </a:solidFill>
-                <a:latin typeface="Martel Sans" pitchFamily="34" charset="0"/>
-                <a:ea typeface="Martel Sans" pitchFamily="34" charset="-122"/>
-                <a:cs typeface="Martel Sans" pitchFamily="34" charset="-120"/>
-              </a:rPr>
-              <a:t>S3 is designed for 99.999999999% (11 nines) of durability, meaning that your data is highly unlikely to be lost.</a:t>
-            </a:r>
-            <a:endParaRPr lang="en-US" sz="1944" dirty="0"/>
+              <a:rPr lang="en-US" sz="2400" dirty="0">
+                <a:solidFill>
+                  <a:srgbClr val="FF0000"/>
+                </a:solidFill>
+                <a:ea typeface="Martel Sans" pitchFamily="34" charset="-122"/>
+                <a:cs typeface="Martel Sans" pitchFamily="34" charset="-120"/>
+              </a:rPr>
+              <a:t>S3 is designed for 99.999999999% (11 nines) of durability</a:t>
+            </a:r>
+            <a:r>
+              <a:rPr lang="en-US" sz="2400" dirty="0">
+                <a:solidFill>
+                  <a:srgbClr val="2C3249"/>
+                </a:solidFill>
+                <a:ea typeface="Martel Sans" pitchFamily="34" charset="-122"/>
+                <a:cs typeface="Martel Sans" pitchFamily="34" charset="-120"/>
+              </a:rPr>
+              <a:t>, meaning that your data is highly unlikely to be lost.</a:t>
+            </a:r>
+            <a:endParaRPr lang="en-US" sz="2400" dirty="0"/>
           </a:p>
         </p:txBody>
       </p:sp>
@@ -2575,7 +2917,7 @@
         </p:nvSpPr>
         <p:spPr>
           <a:xfrm>
-            <a:off x="9881354" y="4730353"/>
+            <a:off x="9881354" y="5298281"/>
             <a:ext cx="3898821" cy="1185148"/>
           </a:xfrm>
           <a:prstGeom prst="rect">
@@ -2595,17 +2937,36 @@
               <a:buNone/>
             </a:pPr>
             <a:r>
-              <a:rPr lang="en-US" sz="1944" dirty="0">
-                <a:solidFill>
-                  <a:srgbClr val="2C3249"/>
-                </a:solidFill>
-                <a:latin typeface="Martel Sans" pitchFamily="34" charset="0"/>
-                <a:ea typeface="Martel Sans" pitchFamily="34" charset="-122"/>
-                <a:cs typeface="Martel Sans" pitchFamily="34" charset="-120"/>
-              </a:rPr>
-              <a:t>It offers high availability, ensuring that your data is accessible whenever you need it.</a:t>
-            </a:r>
-            <a:endParaRPr lang="en-US" sz="1944" dirty="0"/>
+              <a:rPr lang="en-US" sz="2400" dirty="0">
+                <a:solidFill>
+                  <a:srgbClr val="2C3249"/>
+                </a:solidFill>
+                <a:ea typeface="Martel Sans" pitchFamily="34" charset="-122"/>
+                <a:cs typeface="Martel Sans" pitchFamily="34" charset="-120"/>
+              </a:rPr>
+              <a:t>It offers </a:t>
+            </a:r>
+            <a:r>
+              <a:rPr lang="en-US" sz="2400" dirty="0">
+                <a:solidFill>
+                  <a:srgbClr val="FF0000"/>
+                </a:solidFill>
+                <a:ea typeface="Martel Sans" pitchFamily="34" charset="-122"/>
+                <a:cs typeface="Martel Sans" pitchFamily="34" charset="-120"/>
+              </a:rPr>
+              <a:t>high availability</a:t>
+            </a:r>
+            <a:r>
+              <a:rPr lang="en-US" sz="2400" dirty="0">
+                <a:solidFill>
+                  <a:srgbClr val="2C3249"/>
+                </a:solidFill>
+                <a:ea typeface="Martel Sans" pitchFamily="34" charset="-122"/>
+                <a:cs typeface="Martel Sans" pitchFamily="34" charset="-120"/>
+              </a:rPr>
+              <a:t>, ensuring that your data is accessible whenever you need it.</a:t>
+            </a:r>
+            <a:endParaRPr lang="en-US" sz="2400" dirty="0"/>
           </a:p>
         </p:txBody>
       </p:sp>
@@ -2750,17 +3111,16 @@
               <a:buNone/>
             </a:pPr>
             <a:r>
-              <a:rPr lang="en-US" sz="3402" dirty="0">
+              <a:rPr lang="en-US" sz="5400" dirty="0">
                 <a:solidFill>
                   <a:srgbClr val="272D45"/>
                 </a:solidFill>
-                <a:latin typeface="Kanit" pitchFamily="34" charset="0"/>
                 <a:ea typeface="Kanit" pitchFamily="34" charset="-122"/>
                 <a:cs typeface="Kanit" pitchFamily="34" charset="-120"/>
               </a:rPr>
               <a:t>Basic Operations in S3</a:t>
             </a:r>
-            <a:endParaRPr lang="en-US" sz="3402" dirty="0"/>
+            <a:endParaRPr lang="en-US" sz="5400" dirty="0"/>
           </a:p>
         </p:txBody>
       </p:sp>
@@ -2863,17 +3223,16 @@
               <a:buNone/>
             </a:pPr>
             <a:r>
-              <a:rPr lang="en-US" sz="2041" dirty="0">
-                <a:solidFill>
-                  <a:srgbClr val="2C3249"/>
-                </a:solidFill>
-                <a:latin typeface="Kanit" pitchFamily="34" charset="0"/>
+              <a:rPr lang="en-US" sz="4000" dirty="0">
+                <a:solidFill>
+                  <a:srgbClr val="2C3249"/>
+                </a:solidFill>
                 <a:ea typeface="Kanit" pitchFamily="34" charset="-122"/>
                 <a:cs typeface="Kanit" pitchFamily="34" charset="-120"/>
               </a:rPr>
               <a:t>1</a:t>
             </a:r>
-            <a:endParaRPr lang="en-US" sz="2041" dirty="0"/>
+            <a:endParaRPr lang="en-US" sz="4000" dirty="0"/>
           </a:p>
         </p:txBody>
       </p:sp>
@@ -2905,17 +3264,16 @@
               <a:buNone/>
             </a:pPr>
             <a:r>
-              <a:rPr lang="en-US" sz="1701" dirty="0">
-                <a:solidFill>
-                  <a:srgbClr val="2C3249"/>
-                </a:solidFill>
-                <a:latin typeface="Kanit" pitchFamily="34" charset="0"/>
+              <a:rPr lang="en-US" sz="3200" dirty="0">
+                <a:solidFill>
+                  <a:srgbClr val="2C3249"/>
+                </a:solidFill>
                 <a:ea typeface="Kanit" pitchFamily="34" charset="-122"/>
                 <a:cs typeface="Kanit" pitchFamily="34" charset="-120"/>
               </a:rPr>
               <a:t>Creating a Bucket</a:t>
             </a:r>
-            <a:endParaRPr lang="en-US" sz="1701" dirty="0"/>
+            <a:endParaRPr lang="en-US" sz="3200" dirty="0"/>
           </a:p>
         </p:txBody>
       </p:sp>
@@ -2947,17 +3305,76 @@
               <a:buNone/>
             </a:pPr>
             <a:r>
-              <a:rPr lang="en-US" sz="1361" dirty="0">
-                <a:solidFill>
-                  <a:srgbClr val="2C3249"/>
-                </a:solidFill>
-                <a:latin typeface="Martel Sans" pitchFamily="34" charset="0"/>
-                <a:ea typeface="Martel Sans" pitchFamily="34" charset="-122"/>
-                <a:cs typeface="Martel Sans" pitchFamily="34" charset="-120"/>
-              </a:rPr>
-              <a:t>You can create a bucket using the AWS Management Console, AWS CLI, or AWS SDKs. Each bucket must have a unique name and is created in a specific AWS region.</a:t>
-            </a:r>
-            <a:endParaRPr lang="en-US" sz="1361" dirty="0"/>
+              <a:rPr lang="en-US" sz="2200" dirty="0">
+                <a:solidFill>
+                  <a:srgbClr val="2C3249"/>
+                </a:solidFill>
+                <a:ea typeface="Martel Sans" pitchFamily="34" charset="-122"/>
+                <a:cs typeface="Martel Sans" pitchFamily="34" charset="-120"/>
+              </a:rPr>
+              <a:t>You can </a:t>
+            </a:r>
+            <a:r>
+              <a:rPr lang="en-US" sz="2200" dirty="0">
+                <a:solidFill>
+                  <a:srgbClr val="FF0000"/>
+                </a:solidFill>
+                <a:ea typeface="Martel Sans" pitchFamily="34" charset="-122"/>
+                <a:cs typeface="Martel Sans" pitchFamily="34" charset="-120"/>
+              </a:rPr>
+              <a:t>create a bucket </a:t>
+            </a:r>
+            <a:r>
+              <a:rPr lang="en-US" sz="2200" dirty="0">
+                <a:solidFill>
+                  <a:srgbClr val="2C3249"/>
+                </a:solidFill>
+                <a:ea typeface="Martel Sans" pitchFamily="34" charset="-122"/>
+                <a:cs typeface="Martel Sans" pitchFamily="34" charset="-120"/>
+              </a:rPr>
+              <a:t>using the </a:t>
+            </a:r>
+            <a:r>
+              <a:rPr lang="en-US" sz="2200" dirty="0">
+                <a:solidFill>
+                  <a:srgbClr val="FF0000"/>
+                </a:solidFill>
+                <a:ea typeface="Martel Sans" pitchFamily="34" charset="-122"/>
+                <a:cs typeface="Martel Sans" pitchFamily="34" charset="-120"/>
+              </a:rPr>
+              <a:t>AWS Management Console, AWS CLI, or AWS SDKs.</a:t>
+            </a:r>
+            <a:r>
+              <a:rPr lang="en-US" sz="2200" dirty="0">
+                <a:solidFill>
+                  <a:srgbClr val="2C3249"/>
+                </a:solidFill>
+                <a:ea typeface="Martel Sans" pitchFamily="34" charset="-122"/>
+                <a:cs typeface="Martel Sans" pitchFamily="34" charset="-120"/>
+              </a:rPr>
+              <a:t> </a:t>
+            </a:r>
+            <a:r>
+              <a:rPr lang="en-US" sz="2200" dirty="0">
+                <a:solidFill>
+                  <a:srgbClr val="FF0000"/>
+                </a:solidFill>
+                <a:ea typeface="Martel Sans" pitchFamily="34" charset="-122"/>
+                <a:cs typeface="Martel Sans" pitchFamily="34" charset="-120"/>
+              </a:rPr>
+              <a:t>Each bucket must have a unique name </a:t>
+            </a:r>
+            <a:r>
+              <a:rPr lang="en-US" sz="2200" dirty="0">
+                <a:solidFill>
+                  <a:srgbClr val="2C3249"/>
+                </a:solidFill>
+                <a:ea typeface="Martel Sans" pitchFamily="34" charset="-122"/>
+                <a:cs typeface="Martel Sans" pitchFamily="34" charset="-120"/>
+              </a:rPr>
+              <a:t>and is created in a specific AWS region.</a:t>
+            </a:r>
+            <a:endParaRPr lang="en-US" sz="2200" dirty="0"/>
           </a:p>
         </p:txBody>
       </p:sp>
@@ -3038,17 +3455,16 @@
               <a:buNone/>
             </a:pPr>
             <a:r>
-              <a:rPr lang="en-US" sz="2041" dirty="0">
-                <a:solidFill>
-                  <a:srgbClr val="2C3249"/>
-                </a:solidFill>
-                <a:latin typeface="Kanit" pitchFamily="34" charset="0"/>
+              <a:rPr lang="en-US" sz="4000" dirty="0">
+                <a:solidFill>
+                  <a:srgbClr val="2C3249"/>
+                </a:solidFill>
                 <a:ea typeface="Kanit" pitchFamily="34" charset="-122"/>
                 <a:cs typeface="Kanit" pitchFamily="34" charset="-120"/>
               </a:rPr>
               <a:t>2</a:t>
             </a:r>
-            <a:endParaRPr lang="en-US" sz="2041" dirty="0"/>
+            <a:endParaRPr lang="en-US" sz="4000" dirty="0"/>
           </a:p>
         </p:txBody>
       </p:sp>
@@ -3080,17 +3496,16 @@
               <a:buNone/>
             </a:pPr>
             <a:r>
-              <a:rPr lang="en-US" sz="1701" dirty="0">
-                <a:solidFill>
-                  <a:srgbClr val="2C3249"/>
-                </a:solidFill>
-                <a:latin typeface="Kanit" pitchFamily="34" charset="0"/>
+              <a:rPr lang="en-US" sz="3200" dirty="0">
+                <a:solidFill>
+                  <a:srgbClr val="2C3249"/>
+                </a:solidFill>
                 <a:ea typeface="Kanit" pitchFamily="34" charset="-122"/>
                 <a:cs typeface="Kanit" pitchFamily="34" charset="-120"/>
               </a:rPr>
               <a:t>Uploading Objects</a:t>
             </a:r>
-            <a:endParaRPr lang="en-US" sz="1701" dirty="0"/>
+            <a:endParaRPr lang="en-US" sz="3200" dirty="0"/>
           </a:p>
         </p:txBody>
       </p:sp>
@@ -3122,17 +3537,66 @@
               <a:buNone/>
             </a:pPr>
             <a:r>
-              <a:rPr lang="en-US" sz="1361" dirty="0">
-                <a:solidFill>
-                  <a:srgbClr val="2C3249"/>
-                </a:solidFill>
-                <a:latin typeface="Martel Sans" pitchFamily="34" charset="0"/>
-                <a:ea typeface="Martel Sans" pitchFamily="34" charset="-122"/>
-                <a:cs typeface="Martel Sans" pitchFamily="34" charset="-120"/>
-              </a:rPr>
-              <a:t>Objects can be uploaded to S3 using the console, CLI, or SDKs. You can upload single files, multiple files, or entire directories.</a:t>
-            </a:r>
-            <a:endParaRPr lang="en-US" sz="1361" dirty="0"/>
+              <a:rPr lang="en-US" sz="2200" dirty="0">
+                <a:solidFill>
+                  <a:srgbClr val="FF0000"/>
+                </a:solidFill>
+                <a:ea typeface="Martel Sans" pitchFamily="34" charset="-122"/>
+                <a:cs typeface="Martel Sans" pitchFamily="34" charset="-120"/>
+              </a:rPr>
+              <a:t>Objects</a:t>
+            </a:r>
+            <a:r>
+              <a:rPr lang="en-US" sz="2200" dirty="0">
+                <a:solidFill>
+                  <a:srgbClr val="2C3249"/>
+                </a:solidFill>
+                <a:ea typeface="Martel Sans" pitchFamily="34" charset="-122"/>
+                <a:cs typeface="Martel Sans" pitchFamily="34" charset="-120"/>
+              </a:rPr>
+              <a:t> can be uploaded to </a:t>
+            </a:r>
+            <a:r>
+              <a:rPr lang="en-US" sz="2200" dirty="0">
+                <a:solidFill>
+                  <a:srgbClr val="FF0000"/>
+                </a:solidFill>
+                <a:ea typeface="Martel Sans" pitchFamily="34" charset="-122"/>
+                <a:cs typeface="Martel Sans" pitchFamily="34" charset="-120"/>
+              </a:rPr>
+              <a:t>S3</a:t>
+            </a:r>
+            <a:r>
+              <a:rPr lang="en-US" sz="2200" dirty="0">
+                <a:solidFill>
+                  <a:srgbClr val="2C3249"/>
+                </a:solidFill>
+                <a:ea typeface="Martel Sans" pitchFamily="34" charset="-122"/>
+                <a:cs typeface="Martel Sans" pitchFamily="34" charset="-120"/>
+              </a:rPr>
+              <a:t> using the </a:t>
+            </a:r>
+            <a:r>
+              <a:rPr lang="en-US" sz="2200" dirty="0">
+                <a:solidFill>
+                  <a:srgbClr val="FF0000"/>
+                </a:solidFill>
+                <a:ea typeface="Martel Sans" pitchFamily="34" charset="-122"/>
+                <a:cs typeface="Martel Sans" pitchFamily="34" charset="-120"/>
+              </a:rPr>
+              <a:t>console, CLI, or SDKs. </a:t>
+            </a:r>
+            <a:r>
+              <a:rPr lang="en-US" sz="2200" dirty="0">
+                <a:solidFill>
+                  <a:srgbClr val="2C3249"/>
+                </a:solidFill>
+                <a:ea typeface="Martel Sans" pitchFamily="34" charset="-122"/>
+                <a:cs typeface="Martel Sans" pitchFamily="34" charset="-120"/>
+              </a:rPr>
+              <a:t>You can upload single file, multiple files, or entire directories.</a:t>
+            </a:r>
+            <a:endParaRPr lang="en-US" sz="2200" dirty="0"/>
           </a:p>
         </p:txBody>
       </p:sp>
@@ -3213,17 +3677,16 @@
               <a:buNone/>
             </a:pPr>
             <a:r>
-              <a:rPr lang="en-US" sz="2041" dirty="0">
-                <a:solidFill>
-                  <a:srgbClr val="2C3249"/>
-                </a:solidFill>
-                <a:latin typeface="Kanit" pitchFamily="34" charset="0"/>
+              <a:rPr lang="en-US" sz="4000" dirty="0">
+                <a:solidFill>
+                  <a:srgbClr val="2C3249"/>
+                </a:solidFill>
                 <a:ea typeface="Kanit" pitchFamily="34" charset="-122"/>
                 <a:cs typeface="Kanit" pitchFamily="34" charset="-120"/>
               </a:rPr>
               <a:t>3</a:t>
             </a:r>
-            <a:endParaRPr lang="en-US" sz="2041" dirty="0"/>
+            <a:endParaRPr lang="en-US" sz="4000" dirty="0"/>
           </a:p>
         </p:txBody>
       </p:sp>
@@ -3255,17 +3718,16 @@
               <a:buNone/>
             </a:pPr>
             <a:r>
-              <a:rPr lang="en-US" sz="1701" dirty="0">
-                <a:solidFill>
-                  <a:srgbClr val="2C3249"/>
-                </a:solidFill>
-                <a:latin typeface="Kanit" pitchFamily="34" charset="0"/>
+              <a:rPr lang="en-US" sz="3200" dirty="0">
+                <a:solidFill>
+                  <a:srgbClr val="2C3249"/>
+                </a:solidFill>
                 <a:ea typeface="Kanit" pitchFamily="34" charset="-122"/>
                 <a:cs typeface="Kanit" pitchFamily="34" charset="-120"/>
               </a:rPr>
               <a:t>Retrieving Objects</a:t>
             </a:r>
-            <a:endParaRPr lang="en-US" sz="1701" dirty="0"/>
+            <a:endParaRPr lang="en-US" sz="3200" dirty="0"/>
           </a:p>
         </p:txBody>
       </p:sp>
@@ -3297,17 +3759,76 @@
               <a:buNone/>
             </a:pPr>
             <a:r>
-              <a:rPr lang="en-US" sz="1361" dirty="0">
-                <a:solidFill>
-                  <a:srgbClr val="2C3249"/>
-                </a:solidFill>
-                <a:latin typeface="Martel Sans" pitchFamily="34" charset="0"/>
-                <a:ea typeface="Martel Sans" pitchFamily="34" charset="-122"/>
-                <a:cs typeface="Martel Sans" pitchFamily="34" charset="-120"/>
-              </a:rPr>
-              <a:t>You can download objects from S3 using the same methods. S3 provides URL endpoints for objects, making them accessible over the web if the appropriate permissions are set.</a:t>
-            </a:r>
-            <a:endParaRPr lang="en-US" sz="1361" dirty="0"/>
+              <a:rPr lang="en-US" sz="2200" dirty="0">
+                <a:solidFill>
+                  <a:srgbClr val="2C3249"/>
+                </a:solidFill>
+                <a:ea typeface="Martel Sans" pitchFamily="34" charset="-122"/>
+                <a:cs typeface="Martel Sans" pitchFamily="34" charset="-120"/>
+              </a:rPr>
+              <a:t>You can </a:t>
+            </a:r>
+            <a:r>
+              <a:rPr lang="en-US" sz="2200" dirty="0">
+                <a:solidFill>
+                  <a:srgbClr val="FF0000"/>
+                </a:solidFill>
+                <a:ea typeface="Martel Sans" pitchFamily="34" charset="-122"/>
+                <a:cs typeface="Martel Sans" pitchFamily="34" charset="-120"/>
+              </a:rPr>
+              <a:t>download objects </a:t>
+            </a:r>
+            <a:r>
+              <a:rPr lang="en-US" sz="2200" dirty="0">
+                <a:solidFill>
+                  <a:srgbClr val="2C3249"/>
+                </a:solidFill>
+                <a:ea typeface="Martel Sans" pitchFamily="34" charset="-122"/>
+                <a:cs typeface="Martel Sans" pitchFamily="34" charset="-120"/>
+              </a:rPr>
+              <a:t>from </a:t>
+            </a:r>
+            <a:r>
+              <a:rPr lang="en-US" sz="2200" dirty="0">
+                <a:solidFill>
+                  <a:srgbClr val="FF0000"/>
+                </a:solidFill>
+                <a:ea typeface="Martel Sans" pitchFamily="34" charset="-122"/>
+                <a:cs typeface="Martel Sans" pitchFamily="34" charset="-120"/>
+              </a:rPr>
+              <a:t>S3 </a:t>
+            </a:r>
+            <a:r>
+              <a:rPr lang="en-US" sz="2200" dirty="0">
+                <a:solidFill>
+                  <a:srgbClr val="2C3249"/>
+                </a:solidFill>
+                <a:ea typeface="Martel Sans" pitchFamily="34" charset="-122"/>
+                <a:cs typeface="Martel Sans" pitchFamily="34" charset="-120"/>
+              </a:rPr>
+              <a:t>using the same methods. </a:t>
+            </a:r>
+            <a:r>
+              <a:rPr lang="en-US" sz="2200" dirty="0">
+                <a:solidFill>
+                  <a:srgbClr val="FF0000"/>
+                </a:solidFill>
+                <a:ea typeface="Martel Sans" pitchFamily="34" charset="-122"/>
+                <a:cs typeface="Martel Sans" pitchFamily="34" charset="-120"/>
+              </a:rPr>
+              <a:t>S3 provides URL endpoints for objects</a:t>
+            </a:r>
+            <a:r>
+              <a:rPr lang="en-US" sz="2200" dirty="0">
+                <a:solidFill>
+                  <a:srgbClr val="2C3249"/>
+                </a:solidFill>
+                <a:ea typeface="Martel Sans" pitchFamily="34" charset="-122"/>
+                <a:cs typeface="Martel Sans" pitchFamily="34" charset="-120"/>
+              </a:rPr>
+              <a:t>, making them accessible over the web if the appropriate permissions are set.</a:t>
+            </a:r>
+            <a:endParaRPr lang="en-US" sz="2200" dirty="0"/>
           </a:p>
         </p:txBody>
       </p:sp>
@@ -3388,17 +3909,16 @@
               <a:buNone/>
             </a:pPr>
             <a:r>
-              <a:rPr lang="en-US" sz="2041" dirty="0">
-                <a:solidFill>
-                  <a:srgbClr val="2C3249"/>
-                </a:solidFill>
-                <a:latin typeface="Kanit" pitchFamily="34" charset="0"/>
+              <a:rPr lang="en-US" sz="4000" dirty="0">
+                <a:solidFill>
+                  <a:srgbClr val="2C3249"/>
+                </a:solidFill>
                 <a:ea typeface="Kanit" pitchFamily="34" charset="-122"/>
                 <a:cs typeface="Kanit" pitchFamily="34" charset="-120"/>
               </a:rPr>
               <a:t>4</a:t>
             </a:r>
-            <a:endParaRPr lang="en-US" sz="2041" dirty="0"/>
+            <a:endParaRPr lang="en-US" sz="4000" dirty="0"/>
           </a:p>
         </p:txBody>
       </p:sp>
@@ -3430,17 +3950,16 @@
               <a:buNone/>
             </a:pPr>
             <a:r>
-              <a:rPr lang="en-US" sz="1701" dirty="0">
-                <a:solidFill>
-                  <a:srgbClr val="2C3249"/>
-                </a:solidFill>
-                <a:latin typeface="Kanit" pitchFamily="34" charset="0"/>
+              <a:rPr lang="en-US" sz="3200" dirty="0">
+                <a:solidFill>
+                  <a:srgbClr val="2C3249"/>
+                </a:solidFill>
                 <a:ea typeface="Kanit" pitchFamily="34" charset="-122"/>
                 <a:cs typeface="Kanit" pitchFamily="34" charset="-120"/>
               </a:rPr>
               <a:t>Managing Access Permissions</a:t>
             </a:r>
-            <a:endParaRPr lang="en-US" sz="1701" dirty="0"/>
+            <a:endParaRPr lang="en-US" sz="3200" dirty="0"/>
           </a:p>
         </p:txBody>
       </p:sp>
@@ -3472,17 +3991,66 @@
               <a:buNone/>
             </a:pPr>
             <a:r>
-              <a:rPr lang="en-US" sz="1361" dirty="0">
-                <a:solidFill>
-                  <a:srgbClr val="2C3249"/>
-                </a:solidFill>
-                <a:latin typeface="Martel Sans" pitchFamily="34" charset="0"/>
-                <a:ea typeface="Martel Sans" pitchFamily="34" charset="-122"/>
-                <a:cs typeface="Martel Sans" pitchFamily="34" charset="-120"/>
-              </a:rPr>
-              <a:t>S3 provides various ways to manage access to your data, including bucket policies, access control lists (ACLs), and AWS Identity and Access Management (IAM) policies.</a:t>
-            </a:r>
-            <a:endParaRPr lang="en-US" sz="1361" dirty="0"/>
+              <a:rPr lang="en-US" sz="2200" dirty="0">
+                <a:solidFill>
+                  <a:srgbClr val="FF0000"/>
+                </a:solidFill>
+                <a:ea typeface="Martel Sans" pitchFamily="34" charset="-122"/>
+                <a:cs typeface="Martel Sans" pitchFamily="34" charset="-120"/>
+              </a:rPr>
+              <a:t>S3</a:t>
+            </a:r>
+            <a:r>
+              <a:rPr lang="en-US" sz="2200" dirty="0">
+                <a:solidFill>
+                  <a:srgbClr val="2C3249"/>
+                </a:solidFill>
+                <a:ea typeface="Martel Sans" pitchFamily="34" charset="-122"/>
+                <a:cs typeface="Martel Sans" pitchFamily="34" charset="-120"/>
+              </a:rPr>
+              <a:t> provides various ways to </a:t>
+            </a:r>
+            <a:r>
+              <a:rPr lang="en-US" sz="2200" dirty="0">
+                <a:solidFill>
+                  <a:srgbClr val="FF0000"/>
+                </a:solidFill>
+                <a:ea typeface="Martel Sans" pitchFamily="34" charset="-122"/>
+                <a:cs typeface="Martel Sans" pitchFamily="34" charset="-120"/>
+              </a:rPr>
+              <a:t>manage access to your data</a:t>
+            </a:r>
+            <a:r>
+              <a:rPr lang="en-US" sz="2200" dirty="0">
+                <a:solidFill>
+                  <a:srgbClr val="2C3249"/>
+                </a:solidFill>
+                <a:ea typeface="Martel Sans" pitchFamily="34" charset="-122"/>
+                <a:cs typeface="Martel Sans" pitchFamily="34" charset="-120"/>
+              </a:rPr>
+              <a:t>, including </a:t>
+            </a:r>
+            <a:r>
+              <a:rPr lang="en-US" sz="2200" dirty="0">
+                <a:solidFill>
+                  <a:srgbClr val="FF0000"/>
+                </a:solidFill>
+                <a:ea typeface="Martel Sans" pitchFamily="34" charset="-122"/>
+                <a:cs typeface="Martel Sans" pitchFamily="34" charset="-120"/>
+              </a:rPr>
+              <a:t>bucket policies, access control lists (ACLs), and AWS Identity and Access Management (IAM) policies</a:t>
+            </a:r>
+            <a:r>
+              <a:rPr lang="en-US" sz="2200" dirty="0">
+                <a:solidFill>
+                  <a:srgbClr val="2C3249"/>
+                </a:solidFill>
+                <a:ea typeface="Martel Sans" pitchFamily="34" charset="-122"/>
+                <a:cs typeface="Martel Sans" pitchFamily="34" charset="-120"/>
+              </a:rPr>
+              <a:t>.</a:t>
+            </a:r>
+            <a:endParaRPr lang="en-US" sz="2200" dirty="0"/>
           </a:p>
         </p:txBody>
       </p:sp>
@@ -3603,17 +4171,16 @@
               <a:buNone/>
             </a:pPr>
             <a:r>
-              <a:rPr lang="en-US" sz="4649" dirty="0">
+              <a:rPr lang="en-US" sz="4800" dirty="0">
                 <a:solidFill>
                   <a:srgbClr val="272D45"/>
                 </a:solidFill>
-                <a:latin typeface="Kanit" pitchFamily="34" charset="0"/>
                 <a:ea typeface="Kanit" pitchFamily="34" charset="-122"/>
                 <a:cs typeface="Kanit" pitchFamily="34" charset="-120"/>
               </a:rPr>
               <a:t>S3 Storage Classes: Standard and Intelligent-Tiering</a:t>
             </a:r>
-            <a:endParaRPr lang="en-US" sz="4649" dirty="0"/>
+            <a:endParaRPr lang="en-US" sz="4800" dirty="0"/>
           </a:p>
         </p:txBody>
       </p:sp>
@@ -3672,17 +4239,16 @@
               <a:buNone/>
             </a:pPr>
             <a:r>
-              <a:rPr lang="en-US" sz="2325" dirty="0">
-                <a:solidFill>
-                  <a:srgbClr val="2C3249"/>
-                </a:solidFill>
-                <a:latin typeface="Kanit" pitchFamily="34" charset="0"/>
+              <a:rPr lang="en-US" sz="3200" b="1" dirty="0">
+                <a:solidFill>
+                  <a:srgbClr val="2C3249"/>
+                </a:solidFill>
                 <a:ea typeface="Kanit" pitchFamily="34" charset="-122"/>
                 <a:cs typeface="Kanit" pitchFamily="34" charset="-120"/>
               </a:rPr>
               <a:t>Standard</a:t>
             </a:r>
-            <a:endParaRPr lang="en-US" sz="2325" dirty="0"/>
+            <a:endParaRPr lang="en-US" sz="3200" b="1" dirty="0"/>
           </a:p>
         </p:txBody>
       </p:sp>
@@ -3714,17 +4280,36 @@
               <a:buNone/>
             </a:pPr>
             <a:r>
-              <a:rPr lang="en-US" sz="1860" dirty="0">
-                <a:solidFill>
-                  <a:srgbClr val="2C3249"/>
-                </a:solidFill>
-                <a:latin typeface="Martel Sans" pitchFamily="34" charset="0"/>
-                <a:ea typeface="Martel Sans" pitchFamily="34" charset="-122"/>
-                <a:cs typeface="Martel Sans" pitchFamily="34" charset="-120"/>
-              </a:rPr>
-              <a:t>High durability, availability, and performance for frequently accessed data.</a:t>
-            </a:r>
-            <a:endParaRPr lang="en-US" sz="1860" dirty="0"/>
+              <a:rPr lang="en-US" sz="2400" dirty="0">
+                <a:solidFill>
+                  <a:srgbClr val="2C3249"/>
+                </a:solidFill>
+                <a:ea typeface="Martel Sans" pitchFamily="34" charset="-122"/>
+                <a:cs typeface="Martel Sans" pitchFamily="34" charset="-120"/>
+              </a:rPr>
+              <a:t>High durability, availability, and performance for </a:t>
+            </a:r>
+            <a:r>
+              <a:rPr lang="en-US" sz="2400" dirty="0">
+                <a:solidFill>
+                  <a:srgbClr val="FF0000"/>
+                </a:solidFill>
+                <a:ea typeface="Martel Sans" pitchFamily="34" charset="-122"/>
+                <a:cs typeface="Martel Sans" pitchFamily="34" charset="-120"/>
+              </a:rPr>
+              <a:t>frequently accessed data</a:t>
+            </a:r>
+            <a:r>
+              <a:rPr lang="en-US" sz="2400" dirty="0">
+                <a:solidFill>
+                  <a:srgbClr val="2C3249"/>
+                </a:solidFill>
+                <a:ea typeface="Martel Sans" pitchFamily="34" charset="-122"/>
+                <a:cs typeface="Martel Sans" pitchFamily="34" charset="-120"/>
+              </a:rPr>
+              <a:t>.</a:t>
+            </a:r>
+            <a:endParaRPr lang="en-US" sz="2400" dirty="0"/>
           </a:p>
         </p:txBody>
       </p:sp>
@@ -3783,17 +4368,16 @@
               <a:buNone/>
             </a:pPr>
             <a:r>
-              <a:rPr lang="en-US" sz="2325" dirty="0">
-                <a:solidFill>
-                  <a:srgbClr val="2C3249"/>
-                </a:solidFill>
-                <a:latin typeface="Kanit" pitchFamily="34" charset="0"/>
+              <a:rPr lang="en-US" sz="3200" b="1" dirty="0">
+                <a:solidFill>
+                  <a:srgbClr val="2C3249"/>
+                </a:solidFill>
                 <a:ea typeface="Kanit" pitchFamily="34" charset="-122"/>
                 <a:cs typeface="Kanit" pitchFamily="34" charset="-120"/>
               </a:rPr>
               <a:t>Intelligent-Tiering</a:t>
             </a:r>
-            <a:endParaRPr lang="en-US" sz="2325" dirty="0"/>
+            <a:endParaRPr lang="en-US" sz="3200" b="1" dirty="0"/>
           </a:p>
         </p:txBody>
       </p:sp>
@@ -3825,17 +4409,26 @@
               <a:buNone/>
             </a:pPr>
             <a:r>
-              <a:rPr lang="en-US" sz="1860" dirty="0">
-                <a:solidFill>
-                  <a:srgbClr val="2C3249"/>
-                </a:solidFill>
-                <a:latin typeface="Martel Sans" pitchFamily="34" charset="0"/>
-                <a:ea typeface="Martel Sans" pitchFamily="34" charset="-122"/>
-                <a:cs typeface="Martel Sans" pitchFamily="34" charset="-120"/>
-              </a:rPr>
-              <a:t>Automatically moves data between two access tiers (frequent and infrequent) based on changing access patterns.</a:t>
-            </a:r>
-            <a:endParaRPr lang="en-US" sz="1860" dirty="0"/>
+              <a:rPr lang="en-US" sz="2400" dirty="0">
+                <a:solidFill>
+                  <a:srgbClr val="FF0000"/>
+                </a:solidFill>
+                <a:ea typeface="Martel Sans" pitchFamily="34" charset="-122"/>
+                <a:cs typeface="Martel Sans" pitchFamily="34" charset="-120"/>
+              </a:rPr>
+              <a:t>Automatically moves data between two access tiers (frequent and infrequent) </a:t>
+            </a:r>
+            <a:r>
+              <a:rPr lang="en-US" sz="2400" dirty="0">
+                <a:solidFill>
+                  <a:srgbClr val="2C3249"/>
+                </a:solidFill>
+                <a:ea typeface="Martel Sans" pitchFamily="34" charset="-122"/>
+                <a:cs typeface="Martel Sans" pitchFamily="34" charset="-120"/>
+              </a:rPr>
+              <a:t>based on changing access patterns.</a:t>
+            </a:r>
+            <a:endParaRPr lang="en-US" sz="2400" dirty="0"/>
           </a:p>
         </p:txBody>
       </p:sp>
@@ -3960,7 +4553,7 @@
         </p:nvSpPr>
         <p:spPr>
           <a:xfrm>
-            <a:off x="604837" y="887730"/>
+            <a:off x="604837" y="379452"/>
             <a:ext cx="7934325" cy="1080135"/>
           </a:xfrm>
           <a:prstGeom prst="rect">
@@ -3980,17 +4573,34 @@
               <a:buNone/>
             </a:pPr>
             <a:r>
-              <a:rPr lang="en-US" sz="3402" dirty="0">
+              <a:rPr lang="en-US" sz="4800" dirty="0">
                 <a:solidFill>
                   <a:srgbClr val="272D45"/>
                 </a:solidFill>
-                <a:latin typeface="Kanit" pitchFamily="34" charset="0"/>
                 <a:ea typeface="Kanit" pitchFamily="34" charset="-122"/>
                 <a:cs typeface="Kanit" pitchFamily="34" charset="-120"/>
               </a:rPr>
-              <a:t>S3 Storage Classes: Infrequent Access and Glacier</a:t>
-            </a:r>
-            <a:endParaRPr lang="en-US" sz="3402" dirty="0"/>
+              <a:t>S3 Storage Classes: </a:t>
+            </a:r>
+          </a:p>
+          <a:p>
+            <a:pPr marL="0" indent="0">
+              <a:lnSpc>
+                <a:spcPts val="4253"/>
+              </a:lnSpc>
+              <a:buNone/>
+            </a:pPr>
+            <a:r>
+              <a:rPr lang="en-US" sz="4800" dirty="0">
+                <a:solidFill>
+                  <a:srgbClr val="272D45"/>
+                </a:solidFill>
+                <a:ea typeface="Kanit" pitchFamily="34" charset="-122"/>
+                <a:cs typeface="Kanit" pitchFamily="34" charset="-120"/>
+              </a:rPr>
+              <a:t>Infrequent Access and Glacier</a:t>
+            </a:r>
+            <a:endParaRPr lang="en-US" sz="4800" dirty="0"/>
           </a:p>
         </p:txBody>
       </p:sp>
@@ -4049,17 +4659,16 @@
               <a:buNone/>
             </a:pPr>
             <a:r>
-              <a:rPr lang="en-US" sz="1701" dirty="0">
-                <a:solidFill>
-                  <a:srgbClr val="2C3249"/>
-                </a:solidFill>
-                <a:latin typeface="Kanit" pitchFamily="34" charset="0"/>
+              <a:rPr lang="en-US" sz="3200" dirty="0">
+                <a:solidFill>
+                  <a:srgbClr val="2C3249"/>
+                </a:solidFill>
                 <a:ea typeface="Kanit" pitchFamily="34" charset="-122"/>
                 <a:cs typeface="Kanit" pitchFamily="34" charset="-120"/>
               </a:rPr>
               <a:t>Standard-IA (Infrequent Access)</a:t>
             </a:r>
-            <a:endParaRPr lang="en-US" sz="1701" dirty="0"/>
+            <a:endParaRPr lang="en-US" sz="3200" dirty="0"/>
           </a:p>
         </p:txBody>
       </p:sp>
@@ -4091,17 +4700,66 @@
               <a:buNone/>
             </a:pPr>
             <a:r>
-              <a:rPr lang="en-US" sz="1361" dirty="0">
-                <a:solidFill>
-                  <a:srgbClr val="2C3249"/>
-                </a:solidFill>
-                <a:latin typeface="Martel Sans" pitchFamily="34" charset="0"/>
-                <a:ea typeface="Martel Sans" pitchFamily="34" charset="-122"/>
-                <a:cs typeface="Martel Sans" pitchFamily="34" charset="-120"/>
-              </a:rPr>
-              <a:t>Lower-cost storage for data that is accessed less frequently but requires rapid access when needed.</a:t>
-            </a:r>
-            <a:endParaRPr lang="en-US" sz="1361" dirty="0"/>
+              <a:rPr lang="en-US" sz="2400" dirty="0">
+                <a:solidFill>
+                  <a:srgbClr val="FF0000"/>
+                </a:solidFill>
+                <a:ea typeface="Martel Sans" pitchFamily="34" charset="-122"/>
+                <a:cs typeface="Martel Sans" pitchFamily="34" charset="-120"/>
+              </a:rPr>
+              <a:t>Lower-cost storage </a:t>
+            </a:r>
+            <a:r>
+              <a:rPr lang="en-US" sz="2400" dirty="0">
+                <a:solidFill>
+                  <a:srgbClr val="2C3249"/>
+                </a:solidFill>
+                <a:ea typeface="Martel Sans" pitchFamily="34" charset="-122"/>
+                <a:cs typeface="Martel Sans" pitchFamily="34" charset="-120"/>
+              </a:rPr>
+              <a:t>for data that is accessed </a:t>
+            </a:r>
+            <a:r>
+              <a:rPr lang="en-US" sz="2400" dirty="0">
+                <a:solidFill>
+                  <a:srgbClr val="FF0000"/>
+                </a:solidFill>
+                <a:ea typeface="Martel Sans" pitchFamily="34" charset="-122"/>
+                <a:cs typeface="Martel Sans" pitchFamily="34" charset="-120"/>
+              </a:rPr>
+              <a:t>less frequently </a:t>
+            </a:r>
+            <a:r>
+              <a:rPr lang="en-US" sz="2400" dirty="0">
+                <a:solidFill>
+                  <a:srgbClr val="2C3249"/>
+                </a:solidFill>
+                <a:ea typeface="Martel Sans" pitchFamily="34" charset="-122"/>
+                <a:cs typeface="Martel Sans" pitchFamily="34" charset="-120"/>
+              </a:rPr>
+              <a:t>but requires </a:t>
+            </a:r>
+            <a:r>
+              <a:rPr lang="en-US" sz="2400" dirty="0">
+                <a:solidFill>
+                  <a:srgbClr val="FF0000"/>
+                </a:solidFill>
+                <a:ea typeface="Martel Sans" pitchFamily="34" charset="-122"/>
+                <a:cs typeface="Martel Sans" pitchFamily="34" charset="-120"/>
+              </a:rPr>
+              <a:t>rapid access </a:t>
+            </a:r>
+            <a:r>
+              <a:rPr lang="en-US" sz="2400" dirty="0">
+                <a:solidFill>
+                  <a:srgbClr val="2C3249"/>
+                </a:solidFill>
+                <a:ea typeface="Martel Sans" pitchFamily="34" charset="-122"/>
+                <a:cs typeface="Martel Sans" pitchFamily="34" charset="-120"/>
+              </a:rPr>
+              <a:t>when needed.</a:t>
+            </a:r>
+            <a:endParaRPr lang="en-US" sz="2400" dirty="0"/>
           </a:p>
         </p:txBody>
       </p:sp>
@@ -4114,7 +4772,7 @@
         <p:spPr>
           <a:xfrm>
             <a:off x="604837" y="3687247"/>
-            <a:ext cx="7934325" cy="1010841"/>
+            <a:ext cx="7934325" cy="1245116"/>
           </a:xfrm>
           <a:prstGeom prst="roundRect">
             <a:avLst>
@@ -4160,17 +4818,16 @@
               <a:buNone/>
             </a:pPr>
             <a:r>
-              <a:rPr lang="en-US" sz="1701" dirty="0">
-                <a:solidFill>
-                  <a:srgbClr val="2C3249"/>
-                </a:solidFill>
-                <a:latin typeface="Kanit" pitchFamily="34" charset="0"/>
+              <a:rPr lang="en-US" sz="3200" dirty="0">
+                <a:solidFill>
+                  <a:srgbClr val="2C3249"/>
+                </a:solidFill>
                 <a:ea typeface="Kanit" pitchFamily="34" charset="-122"/>
                 <a:cs typeface="Kanit" pitchFamily="34" charset="-120"/>
               </a:rPr>
               <a:t>One Zone-IA</a:t>
             </a:r>
-            <a:endParaRPr lang="en-US" sz="1701" dirty="0"/>
+            <a:endParaRPr lang="en-US" sz="3200" dirty="0"/>
           </a:p>
         </p:txBody>
       </p:sp>
@@ -4202,17 +4859,84 @@
               <a:buNone/>
             </a:pPr>
             <a:r>
-              <a:rPr lang="en-US" sz="1361" dirty="0">
-                <a:solidFill>
-                  <a:srgbClr val="2C3249"/>
-                </a:solidFill>
-                <a:latin typeface="Martel Sans" pitchFamily="34" charset="0"/>
-                <a:ea typeface="Martel Sans" pitchFamily="34" charset="-122"/>
-                <a:cs typeface="Martel Sans" pitchFamily="34" charset="-120"/>
-              </a:rPr>
-              <a:t>Lower-cost option for infrequently accessed data stored in a single availability zone.</a:t>
-            </a:r>
-            <a:endParaRPr lang="en-US" sz="1361" dirty="0"/>
+              <a:rPr lang="en-US" sz="2400" dirty="0">
+                <a:solidFill>
+                  <a:srgbClr val="FF0000"/>
+                </a:solidFill>
+                <a:ea typeface="Martel Sans" pitchFamily="34" charset="-122"/>
+                <a:cs typeface="Martel Sans" pitchFamily="34" charset="-120"/>
+              </a:rPr>
+              <a:t>Lower-cost option </a:t>
+            </a:r>
+            <a:r>
+              <a:rPr lang="en-US" sz="2400" dirty="0">
+                <a:solidFill>
+                  <a:srgbClr val="2C3249"/>
+                </a:solidFill>
+                <a:ea typeface="Martel Sans" pitchFamily="34" charset="-122"/>
+                <a:cs typeface="Martel Sans" pitchFamily="34" charset="-120"/>
+              </a:rPr>
+              <a:t>for </a:t>
+            </a:r>
+            <a:r>
+              <a:rPr lang="en-US" sz="2400" dirty="0">
+                <a:solidFill>
+                  <a:srgbClr val="FF0000"/>
+                </a:solidFill>
+                <a:ea typeface="Martel Sans" pitchFamily="34" charset="-122"/>
+                <a:cs typeface="Martel Sans" pitchFamily="34" charset="-120"/>
+              </a:rPr>
+              <a:t>infrequently accessed data </a:t>
+            </a:r>
+            <a:r>
+              <a:rPr lang="en-US" sz="2400" dirty="0">
+                <a:solidFill>
+                  <a:srgbClr val="2C3249"/>
+                </a:solidFill>
+                <a:ea typeface="Martel Sans" pitchFamily="34" charset="-122"/>
+                <a:cs typeface="Martel Sans" pitchFamily="34" charset="-120"/>
+              </a:rPr>
+              <a:t>stored in </a:t>
+            </a:r>
+          </a:p>
+          <a:p>
+            <a:pPr marL="0" indent="0">
+              <a:lnSpc>
+                <a:spcPts val="2177"/>
+              </a:lnSpc>
+              <a:buNone/>
+            </a:pPr>
+            <a:r>
+              <a:rPr lang="en-US" sz="2400" dirty="0">
+                <a:solidFill>
+                  <a:srgbClr val="2C3249"/>
+                </a:solidFill>
+                <a:ea typeface="Martel Sans" pitchFamily="34" charset="-122"/>
+                <a:cs typeface="Martel Sans" pitchFamily="34" charset="-120"/>
+              </a:rPr>
+              <a:t>a </a:t>
+            </a:r>
+            <a:r>
+              <a:rPr lang="en-US" sz="2400" dirty="0">
+                <a:solidFill>
+                  <a:srgbClr val="FF0000"/>
+                </a:solidFill>
+                <a:ea typeface="Martel Sans" pitchFamily="34" charset="-122"/>
+                <a:cs typeface="Martel Sans" pitchFamily="34" charset="-120"/>
+              </a:rPr>
+              <a:t>single availability zone</a:t>
+            </a:r>
+            <a:r>
+              <a:rPr lang="en-US" sz="2400" dirty="0">
+                <a:solidFill>
+                  <a:srgbClr val="2C3249"/>
+                </a:solidFill>
+                <a:ea typeface="Martel Sans" pitchFamily="34" charset="-122"/>
+                <a:cs typeface="Martel Sans" pitchFamily="34" charset="-120"/>
+              </a:rPr>
+              <a:t>.</a:t>
+            </a:r>
+            <a:endParaRPr lang="en-US" sz="2400" dirty="0"/>
           </a:p>
         </p:txBody>
       </p:sp>
@@ -4224,8 +4948,8 @@
         </p:nvSpPr>
         <p:spPr>
           <a:xfrm>
-            <a:off x="604837" y="4870847"/>
-            <a:ext cx="7934325" cy="1010841"/>
+            <a:off x="604837" y="5035947"/>
+            <a:ext cx="7934325" cy="1287423"/>
           </a:xfrm>
           <a:prstGeom prst="roundRect">
             <a:avLst>
@@ -4251,7 +4975,7 @@
         </p:nvSpPr>
         <p:spPr>
           <a:xfrm>
-            <a:off x="785217" y="5051227"/>
+            <a:off x="785217" y="5216327"/>
             <a:ext cx="2160270" cy="269915"/>
           </a:xfrm>
           <a:prstGeom prst="rect">
@@ -4271,17 +4995,16 @@
               <a:buNone/>
             </a:pPr>
             <a:r>
-              <a:rPr lang="en-US" sz="1701" dirty="0">
-                <a:solidFill>
-                  <a:srgbClr val="2C3249"/>
-                </a:solidFill>
-                <a:latin typeface="Kanit" pitchFamily="34" charset="0"/>
+              <a:rPr lang="en-US" sz="3200" dirty="0">
+                <a:solidFill>
+                  <a:srgbClr val="2C3249"/>
+                </a:solidFill>
                 <a:ea typeface="Kanit" pitchFamily="34" charset="-122"/>
                 <a:cs typeface="Kanit" pitchFamily="34" charset="-120"/>
               </a:rPr>
               <a:t>Glacier</a:t>
             </a:r>
-            <a:endParaRPr lang="en-US" sz="1701" dirty="0"/>
+            <a:endParaRPr lang="en-US" sz="3200" dirty="0"/>
           </a:p>
         </p:txBody>
       </p:sp>
@@ -4293,7 +5016,7 @@
         </p:nvSpPr>
         <p:spPr>
           <a:xfrm>
-            <a:off x="785217" y="5424726"/>
+            <a:off x="785217" y="5589826"/>
             <a:ext cx="7573566" cy="276582"/>
           </a:xfrm>
           <a:prstGeom prst="rect">
@@ -4313,17 +5036,84 @@
               <a:buNone/>
             </a:pPr>
             <a:r>
-              <a:rPr lang="en-US" sz="1361" dirty="0">
-                <a:solidFill>
-                  <a:srgbClr val="2C3249"/>
-                </a:solidFill>
-                <a:latin typeface="Martel Sans" pitchFamily="34" charset="0"/>
-                <a:ea typeface="Martel Sans" pitchFamily="34" charset="-122"/>
-                <a:cs typeface="Martel Sans" pitchFamily="34" charset="-120"/>
-              </a:rPr>
-              <a:t>Low-cost storage for data archiving with retrieval times ranging from minutes to hours.</a:t>
-            </a:r>
-            <a:endParaRPr lang="en-US" sz="1361" dirty="0"/>
+              <a:rPr lang="en-US" sz="2400" dirty="0">
+                <a:solidFill>
+                  <a:srgbClr val="FF0000"/>
+                </a:solidFill>
+                <a:ea typeface="Martel Sans" pitchFamily="34" charset="-122"/>
+                <a:cs typeface="Martel Sans" pitchFamily="34" charset="-120"/>
+              </a:rPr>
+              <a:t>Low-cost storage </a:t>
+            </a:r>
+            <a:r>
+              <a:rPr lang="en-US" sz="2400" dirty="0">
+                <a:solidFill>
+                  <a:srgbClr val="2C3249"/>
+                </a:solidFill>
+                <a:ea typeface="Martel Sans" pitchFamily="34" charset="-122"/>
+                <a:cs typeface="Martel Sans" pitchFamily="34" charset="-120"/>
+              </a:rPr>
+              <a:t>for </a:t>
+            </a:r>
+            <a:r>
+              <a:rPr lang="en-US" sz="2400" dirty="0">
+                <a:solidFill>
+                  <a:srgbClr val="FF0000"/>
+                </a:solidFill>
+                <a:ea typeface="Martel Sans" pitchFamily="34" charset="-122"/>
+                <a:cs typeface="Martel Sans" pitchFamily="34" charset="-120"/>
+              </a:rPr>
+              <a:t>data archiving </a:t>
+            </a:r>
+            <a:r>
+              <a:rPr lang="en-US" sz="2400" dirty="0">
+                <a:solidFill>
+                  <a:srgbClr val="2C3249"/>
+                </a:solidFill>
+                <a:ea typeface="Martel Sans" pitchFamily="34" charset="-122"/>
+                <a:cs typeface="Martel Sans" pitchFamily="34" charset="-120"/>
+              </a:rPr>
+              <a:t>with retrieval times </a:t>
+            </a:r>
+          </a:p>
+          <a:p>
+            <a:pPr marL="0" indent="0">
+              <a:lnSpc>
+                <a:spcPts val="2177"/>
+              </a:lnSpc>
+              <a:buNone/>
+            </a:pPr>
+            <a:r>
+              <a:rPr lang="en-US" sz="2400" dirty="0">
+                <a:solidFill>
+                  <a:srgbClr val="2C3249"/>
+                </a:solidFill>
+                <a:ea typeface="Martel Sans" pitchFamily="34" charset="-122"/>
+                <a:cs typeface="Martel Sans" pitchFamily="34" charset="-120"/>
+              </a:rPr>
+              <a:t>ranging from </a:t>
+            </a:r>
+            <a:r>
+              <a:rPr lang="en-US" sz="2400" dirty="0">
+                <a:solidFill>
+                  <a:srgbClr val="FF0000"/>
+                </a:solidFill>
+                <a:ea typeface="Martel Sans" pitchFamily="34" charset="-122"/>
+                <a:cs typeface="Martel Sans" pitchFamily="34" charset="-120"/>
+              </a:rPr>
+              <a:t>minutes to hours</a:t>
+            </a:r>
+            <a:r>
+              <a:rPr lang="en-US" sz="2400" dirty="0">
+                <a:solidFill>
+                  <a:srgbClr val="2C3249"/>
+                </a:solidFill>
+                <a:ea typeface="Martel Sans" pitchFamily="34" charset="-122"/>
+                <a:cs typeface="Martel Sans" pitchFamily="34" charset="-120"/>
+              </a:rPr>
+              <a:t>.</a:t>
+            </a:r>
+            <a:endParaRPr lang="en-US" sz="2400" dirty="0"/>
           </a:p>
         </p:txBody>
       </p:sp>
@@ -4335,7 +5125,7 @@
         </p:nvSpPr>
         <p:spPr>
           <a:xfrm>
-            <a:off x="604837" y="6054447"/>
+            <a:off x="604837" y="6549747"/>
             <a:ext cx="7934325" cy="1287423"/>
           </a:xfrm>
           <a:prstGeom prst="roundRect">
@@ -4362,7 +5152,7 @@
         </p:nvSpPr>
         <p:spPr>
           <a:xfrm>
-            <a:off x="785217" y="6234827"/>
+            <a:off x="785217" y="6730127"/>
             <a:ext cx="2160270" cy="269915"/>
           </a:xfrm>
           <a:prstGeom prst="rect">
@@ -4382,17 +5172,16 @@
               <a:buNone/>
             </a:pPr>
             <a:r>
-              <a:rPr lang="en-US" sz="1701" dirty="0">
-                <a:solidFill>
-                  <a:srgbClr val="2C3249"/>
-                </a:solidFill>
-                <a:latin typeface="Kanit" pitchFamily="34" charset="0"/>
+              <a:rPr lang="en-US" sz="3200" dirty="0">
+                <a:solidFill>
+                  <a:srgbClr val="2C3249"/>
+                </a:solidFill>
                 <a:ea typeface="Kanit" pitchFamily="34" charset="-122"/>
                 <a:cs typeface="Kanit" pitchFamily="34" charset="-120"/>
               </a:rPr>
               <a:t>Glacier Deep Archive</a:t>
             </a:r>
-            <a:endParaRPr lang="en-US" sz="1701" dirty="0"/>
+            <a:endParaRPr lang="en-US" sz="3200" dirty="0"/>
           </a:p>
         </p:txBody>
       </p:sp>
@@ -4404,7 +5193,7 @@
         </p:nvSpPr>
         <p:spPr>
           <a:xfrm>
-            <a:off x="785217" y="6608326"/>
+            <a:off x="785217" y="7103626"/>
             <a:ext cx="7573566" cy="553164"/>
           </a:xfrm>
           <a:prstGeom prst="rect">
@@ -4424,17 +5213,66 @@
               <a:buNone/>
             </a:pPr>
             <a:r>
-              <a:rPr lang="en-US" sz="1361" dirty="0">
-                <a:solidFill>
-                  <a:srgbClr val="2C3249"/>
-                </a:solidFill>
-                <a:latin typeface="Martel Sans" pitchFamily="34" charset="0"/>
-                <a:ea typeface="Martel Sans" pitchFamily="34" charset="-122"/>
-                <a:cs typeface="Martel Sans" pitchFamily="34" charset="-120"/>
-              </a:rPr>
-              <a:t>Lowest-cost storage option for long-term data archiving with retrieval times of up to 12 hours.</a:t>
-            </a:r>
-            <a:endParaRPr lang="en-US" sz="1361" dirty="0"/>
+              <a:rPr lang="en-US" sz="2400" dirty="0">
+                <a:solidFill>
+                  <a:srgbClr val="FF0000"/>
+                </a:solidFill>
+                <a:ea typeface="Martel Sans" pitchFamily="34" charset="-122"/>
+                <a:cs typeface="Martel Sans" pitchFamily="34" charset="-120"/>
+              </a:rPr>
+              <a:t>Lowest-cost storage option </a:t>
+            </a:r>
+            <a:r>
+              <a:rPr lang="en-US" sz="2400" dirty="0">
+                <a:solidFill>
+                  <a:srgbClr val="2C3249"/>
+                </a:solidFill>
+                <a:ea typeface="Martel Sans" pitchFamily="34" charset="-122"/>
+                <a:cs typeface="Martel Sans" pitchFamily="34" charset="-120"/>
+              </a:rPr>
+              <a:t>for </a:t>
+            </a:r>
+            <a:r>
+              <a:rPr lang="en-US" sz="2400" dirty="0">
+                <a:solidFill>
+                  <a:srgbClr val="FF0000"/>
+                </a:solidFill>
+                <a:ea typeface="Martel Sans" pitchFamily="34" charset="-122"/>
+                <a:cs typeface="Martel Sans" pitchFamily="34" charset="-120"/>
+              </a:rPr>
+              <a:t>long-term data archiving </a:t>
+            </a:r>
+            <a:r>
+              <a:rPr lang="en-US" sz="2400" dirty="0">
+                <a:solidFill>
+                  <a:srgbClr val="2C3249"/>
+                </a:solidFill>
+                <a:ea typeface="Martel Sans" pitchFamily="34" charset="-122"/>
+                <a:cs typeface="Martel Sans" pitchFamily="34" charset="-120"/>
+              </a:rPr>
+              <a:t>with retrieval times of </a:t>
+            </a:r>
+            <a:r>
+              <a:rPr lang="en-US" sz="2400" dirty="0">
+                <a:solidFill>
+                  <a:srgbClr val="FF0000"/>
+                </a:solidFill>
+                <a:ea typeface="Martel Sans" pitchFamily="34" charset="-122"/>
+                <a:cs typeface="Martel Sans" pitchFamily="34" charset="-120"/>
+              </a:rPr>
+              <a:t>up to 12 hours</a:t>
+            </a:r>
+            <a:r>
+              <a:rPr lang="en-US" sz="2400" dirty="0">
+                <a:solidFill>
+                  <a:srgbClr val="2C3249"/>
+                </a:solidFill>
+                <a:ea typeface="Martel Sans" pitchFamily="34" charset="-122"/>
+                <a:cs typeface="Martel Sans" pitchFamily="34" charset="-120"/>
+              </a:rPr>
+              <a:t>.</a:t>
+            </a:r>
+            <a:endParaRPr lang="en-US" sz="2400" dirty="0"/>
           </a:p>
         </p:txBody>
       </p:sp>
@@ -4531,17 +5369,16 @@
               <a:buNone/>
             </a:pPr>
             <a:r>
-              <a:rPr lang="en-US" sz="4860" dirty="0">
+              <a:rPr lang="en-US" sz="7200" dirty="0">
                 <a:solidFill>
                   <a:srgbClr val="272D45"/>
                 </a:solidFill>
-                <a:latin typeface="Kanit" pitchFamily="34" charset="0"/>
                 <a:ea typeface="Kanit" pitchFamily="34" charset="-122"/>
                 <a:cs typeface="Kanit" pitchFamily="34" charset="-120"/>
               </a:rPr>
               <a:t>Key Features of AWS S3: Versioning and Lifecycle Policies</a:t>
             </a:r>
-            <a:endParaRPr lang="en-US" sz="4860" dirty="0"/>
+            <a:endParaRPr lang="en-US" sz="7200" dirty="0"/>
           </a:p>
         </p:txBody>
       </p:sp>
@@ -4573,17 +5410,16 @@
               <a:buNone/>
             </a:pPr>
             <a:r>
-              <a:rPr lang="en-US" sz="2430" dirty="0">
+              <a:rPr lang="en-US" sz="4000" b="1" dirty="0">
                 <a:solidFill>
                   <a:srgbClr val="272D45"/>
                 </a:solidFill>
-                <a:latin typeface="Kanit" pitchFamily="34" charset="0"/>
                 <a:ea typeface="Kanit" pitchFamily="34" charset="-122"/>
                 <a:cs typeface="Kanit" pitchFamily="34" charset="-120"/>
               </a:rPr>
               <a:t>Versioning</a:t>
             </a:r>
-            <a:endParaRPr lang="en-US" sz="2430" dirty="0"/>
+            <a:endParaRPr lang="en-US" sz="4000" b="1" dirty="0"/>
           </a:p>
         </p:txBody>
       </p:sp>
@@ -4615,17 +5451,36 @@
               <a:buNone/>
             </a:pPr>
             <a:r>
-              <a:rPr lang="en-US" sz="1944" dirty="0">
-                <a:solidFill>
-                  <a:srgbClr val="2C3249"/>
-                </a:solidFill>
-                <a:latin typeface="Martel Sans" pitchFamily="34" charset="0"/>
-                <a:ea typeface="Martel Sans" pitchFamily="34" charset="-122"/>
-                <a:cs typeface="Martel Sans" pitchFamily="34" charset="-120"/>
-              </a:rPr>
-              <a:t>You can enable versioning on a bucket to keep multiple versions of an object. This helps protect against accidental deletion or overwriting of data.</a:t>
-            </a:r>
-            <a:endParaRPr lang="en-US" sz="1944" dirty="0"/>
+              <a:rPr lang="en-US" sz="3200" dirty="0">
+                <a:solidFill>
+                  <a:srgbClr val="2C3249"/>
+                </a:solidFill>
+                <a:ea typeface="Martel Sans" pitchFamily="34" charset="-122"/>
+                <a:cs typeface="Martel Sans" pitchFamily="34" charset="-120"/>
+              </a:rPr>
+              <a:t>You can </a:t>
+            </a:r>
+            <a:r>
+              <a:rPr lang="en-US" sz="3200" dirty="0">
+                <a:solidFill>
+                  <a:srgbClr val="FF0000"/>
+                </a:solidFill>
+                <a:ea typeface="Martel Sans" pitchFamily="34" charset="-122"/>
+                <a:cs typeface="Martel Sans" pitchFamily="34" charset="-120"/>
+              </a:rPr>
+              <a:t>enable versioning on a bucket to keep multiple versions of an object</a:t>
+            </a:r>
+            <a:r>
+              <a:rPr lang="en-US" sz="3200" dirty="0">
+                <a:solidFill>
+                  <a:srgbClr val="2C3249"/>
+                </a:solidFill>
+                <a:ea typeface="Martel Sans" pitchFamily="34" charset="-122"/>
+                <a:cs typeface="Martel Sans" pitchFamily="34" charset="-120"/>
+              </a:rPr>
+              <a:t>. This helps protect against accidental deletion or overwriting of data.</a:t>
+            </a:r>
+            <a:endParaRPr lang="en-US" sz="3200" dirty="0"/>
           </a:p>
         </p:txBody>
       </p:sp>
@@ -4657,17 +5512,16 @@
               <a:buNone/>
             </a:pPr>
             <a:r>
-              <a:rPr lang="en-US" sz="2430" dirty="0">
+              <a:rPr lang="en-US" sz="4000" b="1" dirty="0">
                 <a:solidFill>
                   <a:srgbClr val="272D45"/>
                 </a:solidFill>
-                <a:latin typeface="Kanit" pitchFamily="34" charset="0"/>
                 <a:ea typeface="Kanit" pitchFamily="34" charset="-122"/>
                 <a:cs typeface="Kanit" pitchFamily="34" charset="-120"/>
               </a:rPr>
               <a:t>Lifecycle Policies</a:t>
             </a:r>
-            <a:endParaRPr lang="en-US" sz="2430" dirty="0"/>
+            <a:endParaRPr lang="en-US" sz="4000" b="1" dirty="0"/>
           </a:p>
         </p:txBody>
       </p:sp>
@@ -4699,17 +5553,56 @@
               <a:buNone/>
             </a:pPr>
             <a:r>
-              <a:rPr lang="en-US" sz="1944" dirty="0">
-                <a:solidFill>
-                  <a:srgbClr val="2C3249"/>
-                </a:solidFill>
-                <a:latin typeface="Martel Sans" pitchFamily="34" charset="0"/>
-                <a:ea typeface="Martel Sans" pitchFamily="34" charset="-122"/>
-                <a:cs typeface="Martel Sans" pitchFamily="34" charset="-120"/>
-              </a:rPr>
-              <a:t>S3 allows you to define lifecycle policies to automatically transition objects to different storage classes or delete them after a specified period.</a:t>
-            </a:r>
-            <a:endParaRPr lang="en-US" sz="1944" dirty="0"/>
+              <a:rPr lang="en-US" sz="3200" dirty="0">
+                <a:solidFill>
+                  <a:srgbClr val="2C3249"/>
+                </a:solidFill>
+                <a:ea typeface="Martel Sans" pitchFamily="34" charset="-122"/>
+                <a:cs typeface="Martel Sans" pitchFamily="34" charset="-120"/>
+              </a:rPr>
+              <a:t>S3 allows you to define </a:t>
+            </a:r>
+            <a:r>
+              <a:rPr lang="en-US" sz="3200" dirty="0">
+                <a:solidFill>
+                  <a:srgbClr val="FF0000"/>
+                </a:solidFill>
+                <a:ea typeface="Martel Sans" pitchFamily="34" charset="-122"/>
+                <a:cs typeface="Martel Sans" pitchFamily="34" charset="-120"/>
+              </a:rPr>
+              <a:t>lifecycle policies</a:t>
+            </a:r>
+            <a:r>
+              <a:rPr lang="en-US" sz="3200" dirty="0">
+                <a:solidFill>
+                  <a:srgbClr val="2C3249"/>
+                </a:solidFill>
+                <a:ea typeface="Martel Sans" pitchFamily="34" charset="-122"/>
+                <a:cs typeface="Martel Sans" pitchFamily="34" charset="-120"/>
+              </a:rPr>
+              <a:t> to automatically </a:t>
+            </a:r>
+            <a:r>
+              <a:rPr lang="en-US" sz="3200" dirty="0">
+                <a:solidFill>
+                  <a:srgbClr val="FF0000"/>
+                </a:solidFill>
+                <a:ea typeface="Martel Sans" pitchFamily="34" charset="-122"/>
+                <a:cs typeface="Martel Sans" pitchFamily="34" charset="-120"/>
+              </a:rPr>
+              <a:t>transition objects</a:t>
+            </a:r>
+            <a:r>
+              <a:rPr lang="en-US" sz="3200" dirty="0">
+                <a:solidFill>
+                  <a:srgbClr val="2C3249"/>
+                </a:solidFill>
+                <a:ea typeface="Martel Sans" pitchFamily="34" charset="-122"/>
+                <a:cs typeface="Martel Sans" pitchFamily="34" charset="-120"/>
+              </a:rPr>
+              <a:t> to different storage classes or delete them after a specified period.</a:t>
+            </a:r>
+            <a:endParaRPr lang="en-US" sz="3200" dirty="0"/>
           </a:p>
         </p:txBody>
       </p:sp>
@@ -4806,17 +5699,34 @@
               <a:buNone/>
             </a:pPr>
             <a:r>
-              <a:rPr lang="en-US" sz="4860" dirty="0">
+              <a:rPr lang="en-US" sz="6600" dirty="0">
                 <a:solidFill>
                   <a:srgbClr val="272D45"/>
                 </a:solidFill>
-                <a:latin typeface="Kanit" pitchFamily="34" charset="0"/>
                 <a:ea typeface="Kanit" pitchFamily="34" charset="-122"/>
                 <a:cs typeface="Kanit" pitchFamily="34" charset="-120"/>
               </a:rPr>
-              <a:t>Key Features of AWS S3: Encryption and Data Transfer</a:t>
-            </a:r>
-            <a:endParaRPr lang="en-US" sz="4860" dirty="0"/>
+              <a:t>Key Features of AWS S3: </a:t>
+            </a:r>
+          </a:p>
+          <a:p>
+            <a:pPr marL="0" indent="0">
+              <a:lnSpc>
+                <a:spcPts val="6075"/>
+              </a:lnSpc>
+              <a:buNone/>
+            </a:pPr>
+            <a:r>
+              <a:rPr lang="en-US" sz="6600" dirty="0">
+                <a:solidFill>
+                  <a:srgbClr val="272D45"/>
+                </a:solidFill>
+                <a:ea typeface="Kanit" pitchFamily="34" charset="-122"/>
+                <a:cs typeface="Kanit" pitchFamily="34" charset="-120"/>
+              </a:rPr>
+              <a:t>Encryption and Data Transfer</a:t>
+            </a:r>
+            <a:endParaRPr lang="en-US" sz="6600" dirty="0"/>
           </a:p>
         </p:txBody>
       </p:sp>
@@ -4848,17 +5758,16 @@
               <a:buNone/>
             </a:pPr>
             <a:r>
-              <a:rPr lang="en-US" sz="2430" dirty="0">
+              <a:rPr lang="en-US" sz="3600" b="1" dirty="0">
                 <a:solidFill>
                   <a:srgbClr val="272D45"/>
                 </a:solidFill>
-                <a:latin typeface="Kanit" pitchFamily="34" charset="0"/>
                 <a:ea typeface="Kanit" pitchFamily="34" charset="-122"/>
                 <a:cs typeface="Kanit" pitchFamily="34" charset="-120"/>
               </a:rPr>
               <a:t>Encryption</a:t>
             </a:r>
-            <a:endParaRPr lang="en-US" sz="2430" dirty="0"/>
+            <a:endParaRPr lang="en-US" sz="3600" b="1" dirty="0"/>
           </a:p>
         </p:txBody>
       </p:sp>
@@ -4870,8 +5779,8 @@
         </p:nvSpPr>
         <p:spPr>
           <a:xfrm>
-            <a:off x="864037" y="4609981"/>
-            <a:ext cx="6150054" cy="1580198"/>
+            <a:off x="864037" y="4609980"/>
+            <a:ext cx="6150054" cy="2578219"/>
           </a:xfrm>
           <a:prstGeom prst="rect">
             <a:avLst/>
@@ -4890,17 +5799,120 @@
               <a:buNone/>
             </a:pPr>
             <a:r>
-              <a:rPr lang="en-US" sz="1944" dirty="0">
-                <a:solidFill>
-                  <a:srgbClr val="2C3249"/>
-                </a:solidFill>
-                <a:latin typeface="Martel Sans" pitchFamily="34" charset="0"/>
-                <a:ea typeface="Martel Sans" pitchFamily="34" charset="-122"/>
-                <a:cs typeface="Martel Sans" pitchFamily="34" charset="-120"/>
-              </a:rPr>
-              <a:t>S3 supports data encryption both in transit and at rest. You can use server-side encryption with AWS-managed keys (SSE-S3), AWS Key Management Service (SSE-KMS), or client-side encryption.</a:t>
-            </a:r>
-            <a:endParaRPr lang="en-US" sz="1944" dirty="0"/>
+              <a:rPr lang="en-US" sz="2800" dirty="0">
+                <a:solidFill>
+                  <a:srgbClr val="2C3249"/>
+                </a:solidFill>
+                <a:ea typeface="Martel Sans" pitchFamily="34" charset="-122"/>
+                <a:cs typeface="Martel Sans" pitchFamily="34" charset="-120"/>
+              </a:rPr>
+              <a:t>S3 supports </a:t>
+            </a:r>
+            <a:r>
+              <a:rPr lang="en-US" sz="2800" dirty="0">
+                <a:solidFill>
+                  <a:srgbClr val="FF0000"/>
+                </a:solidFill>
+                <a:ea typeface="Martel Sans" pitchFamily="34" charset="-122"/>
+                <a:cs typeface="Martel Sans" pitchFamily="34" charset="-120"/>
+              </a:rPr>
+              <a:t>data encryption both </a:t>
+            </a:r>
+          </a:p>
+          <a:p>
+            <a:pPr marL="0" indent="0">
+              <a:lnSpc>
+                <a:spcPts val="3110"/>
+              </a:lnSpc>
+              <a:buNone/>
+            </a:pPr>
+            <a:r>
+              <a:rPr lang="en-US" sz="2800" dirty="0">
+                <a:solidFill>
+                  <a:srgbClr val="FF0000"/>
+                </a:solidFill>
+                <a:ea typeface="Martel Sans" pitchFamily="34" charset="-122"/>
+                <a:cs typeface="Martel Sans" pitchFamily="34" charset="-120"/>
+              </a:rPr>
+              <a:t>In-transit and at-rest</a:t>
+            </a:r>
+            <a:r>
+              <a:rPr lang="en-US" sz="2800" dirty="0">
+                <a:solidFill>
+                  <a:srgbClr val="2C3249"/>
+                </a:solidFill>
+                <a:ea typeface="Martel Sans" pitchFamily="34" charset="-122"/>
+                <a:cs typeface="Martel Sans" pitchFamily="34" charset="-120"/>
+              </a:rPr>
+              <a:t>. You can use </a:t>
+            </a:r>
+          </a:p>
+          <a:p>
+            <a:pPr marL="0" indent="0">
+              <a:lnSpc>
+                <a:spcPts val="3110"/>
+              </a:lnSpc>
+              <a:buNone/>
+            </a:pPr>
+            <a:r>
+              <a:rPr lang="en-US" sz="2800" dirty="0">
+                <a:solidFill>
+                  <a:srgbClr val="FF0000"/>
+                </a:solidFill>
+                <a:ea typeface="Martel Sans" pitchFamily="34" charset="-122"/>
+                <a:cs typeface="Martel Sans" pitchFamily="34" charset="-120"/>
+              </a:rPr>
+              <a:t>server-side encryption </a:t>
+            </a:r>
+            <a:r>
+              <a:rPr lang="en-US" sz="2800" dirty="0">
+                <a:solidFill>
+                  <a:srgbClr val="2C3249"/>
+                </a:solidFill>
+                <a:ea typeface="Martel Sans" pitchFamily="34" charset="-122"/>
+                <a:cs typeface="Martel Sans" pitchFamily="34" charset="-120"/>
+              </a:rPr>
+              <a:t>with </a:t>
+            </a:r>
+          </a:p>
+          <a:p>
+            <a:pPr marL="0" indent="0">
+              <a:lnSpc>
+                <a:spcPts val="3110"/>
+              </a:lnSpc>
+              <a:buNone/>
+            </a:pPr>
+            <a:r>
+              <a:rPr lang="en-US" sz="2800" dirty="0">
+                <a:solidFill>
+                  <a:srgbClr val="2C3249"/>
+                </a:solidFill>
+                <a:ea typeface="Martel Sans" pitchFamily="34" charset="-122"/>
+                <a:cs typeface="Martel Sans" pitchFamily="34" charset="-120"/>
+              </a:rPr>
+              <a:t>AWS-managed keys (SSE-S3), AWS Key Management Service (SSE-KMS), or </a:t>
+            </a:r>
+            <a:r>
+              <a:rPr lang="en-US" sz="2800" dirty="0">
+                <a:solidFill>
+                  <a:srgbClr val="FF0000"/>
+                </a:solidFill>
+                <a:ea typeface="Martel Sans" pitchFamily="34" charset="-122"/>
+                <a:cs typeface="Martel Sans" pitchFamily="34" charset="-120"/>
+              </a:rPr>
+              <a:t>client-side encryption</a:t>
+            </a:r>
+            <a:r>
+              <a:rPr lang="en-US" sz="2800" dirty="0">
+                <a:solidFill>
+                  <a:srgbClr val="2C3249"/>
+                </a:solidFill>
+                <a:ea typeface="Martel Sans" pitchFamily="34" charset="-122"/>
+                <a:cs typeface="Martel Sans" pitchFamily="34" charset="-120"/>
+              </a:rPr>
+              <a:t>.</a:t>
+            </a:r>
+            <a:endParaRPr lang="en-US" sz="2800" dirty="0"/>
           </a:p>
         </p:txBody>
       </p:sp>
@@ -4932,17 +5944,16 @@
               <a:buNone/>
             </a:pPr>
             <a:r>
-              <a:rPr lang="en-US" sz="2430" dirty="0">
+              <a:rPr lang="en-US" sz="3600" b="1" dirty="0">
                 <a:solidFill>
                   <a:srgbClr val="272D45"/>
                 </a:solidFill>
-                <a:latin typeface="Kanit" pitchFamily="34" charset="0"/>
                 <a:ea typeface="Kanit" pitchFamily="34" charset="-122"/>
                 <a:cs typeface="Kanit" pitchFamily="34" charset="-120"/>
               </a:rPr>
               <a:t>Data Transfer Acceleration</a:t>
             </a:r>
-            <a:endParaRPr lang="en-US" sz="2430" dirty="0"/>
+            <a:endParaRPr lang="en-US" sz="3600" b="1" dirty="0"/>
           </a:p>
         </p:txBody>
       </p:sp>
@@ -4974,17 +5985,26 @@
               <a:buNone/>
             </a:pPr>
             <a:r>
-              <a:rPr lang="en-US" sz="1944" dirty="0">
-                <a:solidFill>
-                  <a:srgbClr val="2C3249"/>
-                </a:solidFill>
-                <a:latin typeface="Martel Sans" pitchFamily="34" charset="0"/>
-                <a:ea typeface="Martel Sans" pitchFamily="34" charset="-122"/>
-                <a:cs typeface="Martel Sans" pitchFamily="34" charset="-120"/>
-              </a:rPr>
-              <a:t>S3 Transfer Acceleration uses Amazon CloudFront's globally distributed edge locations to accelerate data transfers to and from S3.</a:t>
-            </a:r>
-            <a:endParaRPr lang="en-US" sz="1944" dirty="0"/>
+              <a:rPr lang="en-US" sz="2800" dirty="0">
+                <a:solidFill>
+                  <a:srgbClr val="FF0000"/>
+                </a:solidFill>
+                <a:ea typeface="Martel Sans" pitchFamily="34" charset="-122"/>
+                <a:cs typeface="Martel Sans" pitchFamily="34" charset="-120"/>
+              </a:rPr>
+              <a:t>S3 Transfer Acceleration </a:t>
+            </a:r>
+            <a:r>
+              <a:rPr lang="en-US" sz="2800" dirty="0">
+                <a:solidFill>
+                  <a:srgbClr val="2C3249"/>
+                </a:solidFill>
+                <a:ea typeface="Martel Sans" pitchFamily="34" charset="-122"/>
+                <a:cs typeface="Martel Sans" pitchFamily="34" charset="-120"/>
+              </a:rPr>
+              <a:t>uses Amazon CloudFront's globally distributed edge locations to accelerate data transfers to and from S3.</a:t>
+            </a:r>
+            <a:endParaRPr lang="en-US" sz="2800" dirty="0"/>
           </a:p>
         </p:txBody>
       </p:sp>
@@ -5129,17 +6149,16 @@
               <a:buNone/>
             </a:pPr>
             <a:r>
-              <a:rPr lang="en-US" sz="4463" dirty="0">
+              <a:rPr lang="en-US" sz="6000" dirty="0">
                 <a:solidFill>
                   <a:srgbClr val="272D45"/>
                 </a:solidFill>
-                <a:latin typeface="Kanit" pitchFamily="34" charset="0"/>
                 <a:ea typeface="Kanit" pitchFamily="34" charset="-122"/>
                 <a:cs typeface="Kanit" pitchFamily="34" charset="-120"/>
               </a:rPr>
               <a:t>Logging and Monitoring in AWS S3</a:t>
             </a:r>
-            <a:endParaRPr lang="en-US" sz="4463" dirty="0"/>
+            <a:endParaRPr lang="en-US" sz="6000" dirty="0"/>
           </a:p>
         </p:txBody>
       </p:sp>
@@ -5198,17 +6217,16 @@
               <a:buNone/>
             </a:pPr>
             <a:r>
-              <a:rPr lang="en-US" sz="2678" dirty="0">
-                <a:solidFill>
-                  <a:srgbClr val="2C3249"/>
-                </a:solidFill>
-                <a:latin typeface="Kanit" pitchFamily="34" charset="0"/>
+              <a:rPr lang="en-US" sz="3600" dirty="0">
+                <a:solidFill>
+                  <a:srgbClr val="2C3249"/>
+                </a:solidFill>
                 <a:ea typeface="Kanit" pitchFamily="34" charset="-122"/>
                 <a:cs typeface="Kanit" pitchFamily="34" charset="-120"/>
               </a:rPr>
               <a:t>1</a:t>
             </a:r>
-            <a:endParaRPr lang="en-US" sz="2678" dirty="0"/>
+            <a:endParaRPr lang="en-US" sz="3600" dirty="0"/>
           </a:p>
         </p:txBody>
       </p:sp>
@@ -5240,17 +6258,16 @@
               <a:buNone/>
             </a:pPr>
             <a:r>
-              <a:rPr lang="en-US" sz="2232" dirty="0">
-                <a:solidFill>
-                  <a:srgbClr val="2C3249"/>
-                </a:solidFill>
-                <a:latin typeface="Kanit" pitchFamily="34" charset="0"/>
+              <a:rPr lang="en-US" sz="3200" b="1" dirty="0">
+                <a:solidFill>
+                  <a:srgbClr val="2C3249"/>
+                </a:solidFill>
                 <a:ea typeface="Kanit" pitchFamily="34" charset="-122"/>
                 <a:cs typeface="Kanit" pitchFamily="34" charset="-120"/>
               </a:rPr>
               <a:t>Server Access Logging</a:t>
             </a:r>
-            <a:endParaRPr lang="en-US" sz="2232" dirty="0"/>
+            <a:endParaRPr lang="en-US" sz="3200" b="1" dirty="0"/>
           </a:p>
         </p:txBody>
       </p:sp>
@@ -5282,17 +6299,36 @@
               <a:buNone/>
             </a:pPr>
             <a:r>
-              <a:rPr lang="en-US" sz="1785" dirty="0">
-                <a:solidFill>
-                  <a:srgbClr val="2C3249"/>
-                </a:solidFill>
-                <a:latin typeface="Martel Sans" pitchFamily="34" charset="0"/>
-                <a:ea typeface="Martel Sans" pitchFamily="34" charset="-122"/>
-                <a:cs typeface="Martel Sans" pitchFamily="34" charset="-120"/>
-              </a:rPr>
-              <a:t>S3 provides server access logging to track requests for access to your bucket.</a:t>
-            </a:r>
-            <a:endParaRPr lang="en-US" sz="1785" dirty="0"/>
+              <a:rPr lang="en-US" sz="2400" dirty="0">
+                <a:solidFill>
+                  <a:srgbClr val="2C3249"/>
+                </a:solidFill>
+                <a:ea typeface="Martel Sans" pitchFamily="34" charset="-122"/>
+                <a:cs typeface="Martel Sans" pitchFamily="34" charset="-120"/>
+              </a:rPr>
+              <a:t>S3 provides </a:t>
+            </a:r>
+            <a:r>
+              <a:rPr lang="en-US" sz="2400" dirty="0">
+                <a:solidFill>
+                  <a:srgbClr val="FF0000"/>
+                </a:solidFill>
+                <a:ea typeface="Martel Sans" pitchFamily="34" charset="-122"/>
+                <a:cs typeface="Martel Sans" pitchFamily="34" charset="-120"/>
+              </a:rPr>
+              <a:t>server access logging to track requests </a:t>
+            </a:r>
+            <a:r>
+              <a:rPr lang="en-US" sz="2400" dirty="0">
+                <a:solidFill>
+                  <a:srgbClr val="2C3249"/>
+                </a:solidFill>
+                <a:ea typeface="Martel Sans" pitchFamily="34" charset="-122"/>
+                <a:cs typeface="Martel Sans" pitchFamily="34" charset="-120"/>
+              </a:rPr>
+              <a:t>for access to your bucket.</a:t>
+            </a:r>
+            <a:endParaRPr lang="en-US" sz="2400" dirty="0"/>
           </a:p>
         </p:txBody>
       </p:sp>
@@ -5351,17 +6387,16 @@
               <a:buNone/>
             </a:pPr>
             <a:r>
-              <a:rPr lang="en-US" sz="2678" dirty="0">
-                <a:solidFill>
-                  <a:srgbClr val="2C3249"/>
-                </a:solidFill>
-                <a:latin typeface="Kanit" pitchFamily="34" charset="0"/>
+              <a:rPr lang="en-US" sz="3600" dirty="0">
+                <a:solidFill>
+                  <a:srgbClr val="2C3249"/>
+                </a:solidFill>
                 <a:ea typeface="Kanit" pitchFamily="34" charset="-122"/>
                 <a:cs typeface="Kanit" pitchFamily="34" charset="-120"/>
               </a:rPr>
               <a:t>2</a:t>
             </a:r>
-            <a:endParaRPr lang="en-US" sz="2678" dirty="0"/>
+            <a:endParaRPr lang="en-US" sz="3600" dirty="0"/>
           </a:p>
         </p:txBody>
       </p:sp>
@@ -5393,17 +6428,16 @@
               <a:buNone/>
             </a:pPr>
             <a:r>
-              <a:rPr lang="en-US" sz="2232" dirty="0">
-                <a:solidFill>
-                  <a:srgbClr val="2C3249"/>
-                </a:solidFill>
-                <a:latin typeface="Kanit" pitchFamily="34" charset="0"/>
+              <a:rPr lang="en-US" sz="3200" b="1" dirty="0">
+                <a:solidFill>
+                  <a:srgbClr val="2C3249"/>
+                </a:solidFill>
                 <a:ea typeface="Kanit" pitchFamily="34" charset="-122"/>
                 <a:cs typeface="Kanit" pitchFamily="34" charset="-120"/>
               </a:rPr>
               <a:t>AWS CloudTrail</a:t>
             </a:r>
-            <a:endParaRPr lang="en-US" sz="2232" dirty="0"/>
+            <a:endParaRPr lang="en-US" sz="3200" b="1" dirty="0"/>
           </a:p>
         </p:txBody>
       </p:sp>
@@ -5435,17 +6469,36 @@
               <a:buNone/>
             </a:pPr>
             <a:r>
-              <a:rPr lang="en-US" sz="1785" dirty="0">
-                <a:solidFill>
-                  <a:srgbClr val="2C3249"/>
-                </a:solidFill>
-                <a:latin typeface="Martel Sans" pitchFamily="34" charset="0"/>
-                <a:ea typeface="Martel Sans" pitchFamily="34" charset="-122"/>
-                <a:cs typeface="Martel Sans" pitchFamily="34" charset="-120"/>
-              </a:rPr>
-              <a:t>Use CloudTrail to log, continuously monitor, and retain account activity related to actions across your AWS infrastructure.</a:t>
-            </a:r>
-            <a:endParaRPr lang="en-US" sz="1785" dirty="0"/>
+              <a:rPr lang="en-US" sz="2400" dirty="0">
+                <a:solidFill>
+                  <a:srgbClr val="2C3249"/>
+                </a:solidFill>
+                <a:ea typeface="Martel Sans" pitchFamily="34" charset="-122"/>
+                <a:cs typeface="Martel Sans" pitchFamily="34" charset="-120"/>
+              </a:rPr>
+              <a:t>Use CloudTrail to </a:t>
+            </a:r>
+            <a:r>
+              <a:rPr lang="en-US" sz="2400" dirty="0">
+                <a:solidFill>
+                  <a:srgbClr val="FF0000"/>
+                </a:solidFill>
+                <a:ea typeface="Martel Sans" pitchFamily="34" charset="-122"/>
+                <a:cs typeface="Martel Sans" pitchFamily="34" charset="-120"/>
+              </a:rPr>
+              <a:t>log, continuously monitor, and retain account activity </a:t>
+            </a:r>
+            <a:r>
+              <a:rPr lang="en-US" sz="2400" dirty="0">
+                <a:solidFill>
+                  <a:srgbClr val="2C3249"/>
+                </a:solidFill>
+                <a:ea typeface="Martel Sans" pitchFamily="34" charset="-122"/>
+                <a:cs typeface="Martel Sans" pitchFamily="34" charset="-120"/>
+              </a:rPr>
+              <a:t>related to actions across your AWS infrastructure.</a:t>
+            </a:r>
+            <a:endParaRPr lang="en-US" sz="2400" dirty="0"/>
           </a:p>
         </p:txBody>
       </p:sp>
@@ -5504,17 +6557,16 @@
               <a:buNone/>
             </a:pPr>
             <a:r>
-              <a:rPr lang="en-US" sz="2678" dirty="0">
-                <a:solidFill>
-                  <a:srgbClr val="2C3249"/>
-                </a:solidFill>
-                <a:latin typeface="Kanit" pitchFamily="34" charset="0"/>
+              <a:rPr lang="en-US" sz="3600" dirty="0">
+                <a:solidFill>
+                  <a:srgbClr val="2C3249"/>
+                </a:solidFill>
                 <a:ea typeface="Kanit" pitchFamily="34" charset="-122"/>
                 <a:cs typeface="Kanit" pitchFamily="34" charset="-120"/>
               </a:rPr>
               <a:t>3</a:t>
             </a:r>
-            <a:endParaRPr lang="en-US" sz="2678" dirty="0"/>
+            <a:endParaRPr lang="en-US" sz="3600" dirty="0"/>
           </a:p>
         </p:txBody>
       </p:sp>
@@ -5546,17 +6598,16 @@
               <a:buNone/>
             </a:pPr>
             <a:r>
-              <a:rPr lang="en-US" sz="2232" dirty="0">
-                <a:solidFill>
-                  <a:srgbClr val="2C3249"/>
-                </a:solidFill>
-                <a:latin typeface="Kanit" pitchFamily="34" charset="0"/>
+              <a:rPr lang="en-US" sz="3200" b="1" dirty="0">
+                <a:solidFill>
+                  <a:srgbClr val="2C3249"/>
+                </a:solidFill>
                 <a:ea typeface="Kanit" pitchFamily="34" charset="-122"/>
                 <a:cs typeface="Kanit" pitchFamily="34" charset="-120"/>
               </a:rPr>
               <a:t>AWS CloudWatch</a:t>
             </a:r>
-            <a:endParaRPr lang="en-US" sz="2232" dirty="0"/>
+            <a:endParaRPr lang="en-US" sz="3200" b="1" dirty="0"/>
           </a:p>
         </p:txBody>
       </p:sp>
@@ -5588,17 +6639,26 @@
               <a:buNone/>
             </a:pPr>
             <a:r>
-              <a:rPr lang="en-US" sz="1785" dirty="0">
-                <a:solidFill>
-                  <a:srgbClr val="2C3249"/>
-                </a:solidFill>
-                <a:latin typeface="Martel Sans" pitchFamily="34" charset="0"/>
-                <a:ea typeface="Martel Sans" pitchFamily="34" charset="-122"/>
-                <a:cs typeface="Martel Sans" pitchFamily="34" charset="-120"/>
-              </a:rPr>
-              <a:t>Monitor S3 resources and applications in real-time using CloudWatch metrics and alarms.</a:t>
-            </a:r>
-            <a:endParaRPr lang="en-US" sz="1785" dirty="0"/>
+              <a:rPr lang="en-US" sz="2400" dirty="0">
+                <a:solidFill>
+                  <a:srgbClr val="FF0000"/>
+                </a:solidFill>
+                <a:ea typeface="Martel Sans" pitchFamily="34" charset="-122"/>
+                <a:cs typeface="Martel Sans" pitchFamily="34" charset="-120"/>
+              </a:rPr>
+              <a:t>Monitor S3 resources and applications in real-time </a:t>
+            </a:r>
+            <a:r>
+              <a:rPr lang="en-US" sz="2400" dirty="0">
+                <a:solidFill>
+                  <a:srgbClr val="2C3249"/>
+                </a:solidFill>
+                <a:ea typeface="Martel Sans" pitchFamily="34" charset="-122"/>
+                <a:cs typeface="Martel Sans" pitchFamily="34" charset="-120"/>
+              </a:rPr>
+              <a:t>using CloudWatch metrics and alarms.</a:t>
+            </a:r>
+            <a:endParaRPr lang="en-US" sz="2400" dirty="0"/>
           </a:p>
         </p:txBody>
       </p:sp>
@@ -5695,17 +6755,16 @@
               <a:buNone/>
             </a:pPr>
             <a:r>
-              <a:rPr lang="en-US" sz="3402" dirty="0">
+              <a:rPr lang="en-US" sz="5400" dirty="0">
                 <a:solidFill>
                   <a:srgbClr val="272D45"/>
                 </a:solidFill>
-                <a:latin typeface="Kanit" pitchFamily="34" charset="0"/>
                 <a:ea typeface="Kanit" pitchFamily="34" charset="-122"/>
                 <a:cs typeface="Kanit" pitchFamily="34" charset="-120"/>
               </a:rPr>
               <a:t>Getting Started with AWS S3</a:t>
             </a:r>
-            <a:endParaRPr lang="en-US" sz="3402" dirty="0"/>
+            <a:endParaRPr lang="en-US" sz="5400" dirty="0"/>
           </a:p>
         </p:txBody>
       </p:sp>
@@ -5761,17 +6820,16 @@
               <a:buNone/>
             </a:pPr>
             <a:r>
-              <a:rPr lang="en-US" sz="1701" dirty="0">
-                <a:solidFill>
-                  <a:srgbClr val="2C3249"/>
-                </a:solidFill>
-                <a:latin typeface="Kanit" pitchFamily="34" charset="0"/>
+              <a:rPr lang="en-US" sz="3200" b="1" dirty="0">
+                <a:solidFill>
+                  <a:srgbClr val="2C3249"/>
+                </a:solidFill>
                 <a:ea typeface="Kanit" pitchFamily="34" charset="-122"/>
                 <a:cs typeface="Kanit" pitchFamily="34" charset="-120"/>
               </a:rPr>
               <a:t>Sign Up for AWS</a:t>
             </a:r>
-            <a:endParaRPr lang="en-US" sz="1701" dirty="0"/>
+            <a:endParaRPr lang="en-US" sz="3200" b="1" dirty="0"/>
           </a:p>
         </p:txBody>
       </p:sp>
@@ -5803,17 +6861,36 @@
               <a:buNone/>
             </a:pPr>
             <a:r>
-              <a:rPr lang="en-US" sz="1361" dirty="0">
-                <a:solidFill>
-                  <a:srgbClr val="2C3249"/>
-                </a:solidFill>
-                <a:latin typeface="Martel Sans" pitchFamily="34" charset="0"/>
-                <a:ea typeface="Martel Sans" pitchFamily="34" charset="-122"/>
-                <a:cs typeface="Martel Sans" pitchFamily="34" charset="-120"/>
-              </a:rPr>
-              <a:t>Create an AWS account if you don't already have one.</a:t>
-            </a:r>
-            <a:endParaRPr lang="en-US" sz="1361" dirty="0"/>
+              <a:rPr lang="en-US" sz="2400" dirty="0">
+                <a:solidFill>
+                  <a:srgbClr val="2C3249"/>
+                </a:solidFill>
+                <a:ea typeface="Martel Sans" pitchFamily="34" charset="-122"/>
+                <a:cs typeface="Martel Sans" pitchFamily="34" charset="-120"/>
+              </a:rPr>
+              <a:t>Create an </a:t>
+            </a:r>
+            <a:r>
+              <a:rPr lang="en-US" sz="2400" dirty="0">
+                <a:solidFill>
+                  <a:srgbClr val="FF0000"/>
+                </a:solidFill>
+                <a:ea typeface="Martel Sans" pitchFamily="34" charset="-122"/>
+                <a:cs typeface="Martel Sans" pitchFamily="34" charset="-120"/>
+              </a:rPr>
+              <a:t>AWS account </a:t>
+            </a:r>
+            <a:r>
+              <a:rPr lang="en-US" sz="2400" dirty="0">
+                <a:solidFill>
+                  <a:srgbClr val="2C3249"/>
+                </a:solidFill>
+                <a:ea typeface="Martel Sans" pitchFamily="34" charset="-122"/>
+                <a:cs typeface="Martel Sans" pitchFamily="34" charset="-120"/>
+              </a:rPr>
+              <a:t>if you don't already have one.</a:t>
+            </a:r>
+            <a:endParaRPr lang="en-US" sz="2400" dirty="0"/>
           </a:p>
         </p:txBody>
       </p:sp>
@@ -5869,17 +6946,16 @@
               <a:buNone/>
             </a:pPr>
             <a:r>
-              <a:rPr lang="en-US" sz="1701" dirty="0">
-                <a:solidFill>
-                  <a:srgbClr val="2C3249"/>
-                </a:solidFill>
-                <a:latin typeface="Kanit" pitchFamily="34" charset="0"/>
+              <a:rPr lang="en-US" sz="3200" b="1" dirty="0">
+                <a:solidFill>
+                  <a:srgbClr val="2C3249"/>
+                </a:solidFill>
                 <a:ea typeface="Kanit" pitchFamily="34" charset="-122"/>
                 <a:cs typeface="Kanit" pitchFamily="34" charset="-120"/>
               </a:rPr>
               <a:t>Access the S3 Console</a:t>
             </a:r>
-            <a:endParaRPr lang="en-US" sz="1701" dirty="0"/>
+            <a:endParaRPr lang="en-US" sz="3200" b="1" dirty="0"/>
           </a:p>
         </p:txBody>
       </p:sp>
@@ -5911,17 +6987,56 @@
               <a:buNone/>
             </a:pPr>
             <a:r>
-              <a:rPr lang="en-US" sz="1361" dirty="0">
-                <a:solidFill>
-                  <a:srgbClr val="2C3249"/>
-                </a:solidFill>
-                <a:latin typeface="Martel Sans" pitchFamily="34" charset="0"/>
-                <a:ea typeface="Martel Sans" pitchFamily="34" charset="-122"/>
-                <a:cs typeface="Martel Sans" pitchFamily="34" charset="-120"/>
-              </a:rPr>
-              <a:t>Log in to the AWS Management Console and navigate to the S3 service.</a:t>
-            </a:r>
-            <a:endParaRPr lang="en-US" sz="1361" dirty="0"/>
+              <a:rPr lang="en-US" sz="2400" dirty="0">
+                <a:solidFill>
+                  <a:srgbClr val="2C3249"/>
+                </a:solidFill>
+                <a:ea typeface="Martel Sans" pitchFamily="34" charset="-122"/>
+                <a:cs typeface="Martel Sans" pitchFamily="34" charset="-120"/>
+              </a:rPr>
+              <a:t>Log in to the </a:t>
+            </a:r>
+            <a:r>
+              <a:rPr lang="en-US" sz="2400" dirty="0">
+                <a:solidFill>
+                  <a:srgbClr val="FF0000"/>
+                </a:solidFill>
+                <a:ea typeface="Martel Sans" pitchFamily="34" charset="-122"/>
+                <a:cs typeface="Martel Sans" pitchFamily="34" charset="-120"/>
+              </a:rPr>
+              <a:t>AWS Management Console </a:t>
+            </a:r>
+            <a:r>
+              <a:rPr lang="en-US" sz="2400" dirty="0">
+                <a:solidFill>
+                  <a:srgbClr val="2C3249"/>
+                </a:solidFill>
+                <a:ea typeface="Martel Sans" pitchFamily="34" charset="-122"/>
+                <a:cs typeface="Martel Sans" pitchFamily="34" charset="-120"/>
+              </a:rPr>
+              <a:t>and navigate to the </a:t>
+            </a:r>
+            <a:r>
+              <a:rPr lang="en-US" sz="2400" dirty="0">
+                <a:solidFill>
+                  <a:srgbClr val="FF0000"/>
+                </a:solidFill>
+                <a:ea typeface="Martel Sans" pitchFamily="34" charset="-122"/>
+                <a:cs typeface="Martel Sans" pitchFamily="34" charset="-120"/>
+              </a:rPr>
+              <a:t>S3 service</a:t>
+            </a:r>
+            <a:r>
+              <a:rPr lang="en-US" sz="2400" dirty="0">
+                <a:solidFill>
+                  <a:srgbClr val="2C3249"/>
+                </a:solidFill>
+                <a:ea typeface="Martel Sans" pitchFamily="34" charset="-122"/>
+                <a:cs typeface="Martel Sans" pitchFamily="34" charset="-120"/>
+              </a:rPr>
+              <a:t>.</a:t>
+            </a:r>
+            <a:endParaRPr lang="en-US" sz="2400" dirty="0"/>
           </a:p>
         </p:txBody>
       </p:sp>
@@ -5977,17 +7092,26 @@
               <a:buNone/>
             </a:pPr>
             <a:r>
-              <a:rPr lang="en-US" sz="1701" dirty="0">
-                <a:solidFill>
-                  <a:srgbClr val="2C3249"/>
-                </a:solidFill>
-                <a:latin typeface="Kanit" pitchFamily="34" charset="0"/>
+              <a:rPr lang="en-US" sz="3200" b="1" dirty="0">
+                <a:solidFill>
+                  <a:srgbClr val="2C3249"/>
+                </a:solidFill>
                 <a:ea typeface="Kanit" pitchFamily="34" charset="-122"/>
                 <a:cs typeface="Kanit" pitchFamily="34" charset="-120"/>
               </a:rPr>
-              <a:t>Create a Bucket</a:t>
-            </a:r>
-            <a:endParaRPr lang="en-US" sz="1701" dirty="0"/>
+              <a:t>Create a Bucke</a:t>
+            </a:r>
+            <a:r>
+              <a:rPr lang="en-US" sz="3200" dirty="0">
+                <a:solidFill>
+                  <a:srgbClr val="2C3249"/>
+                </a:solidFill>
+                <a:ea typeface="Kanit" pitchFamily="34" charset="-122"/>
+                <a:cs typeface="Kanit" pitchFamily="34" charset="-120"/>
+              </a:rPr>
+              <a:t>t</a:t>
+            </a:r>
+            <a:endParaRPr lang="en-US" sz="3200" dirty="0"/>
           </a:p>
         </p:txBody>
       </p:sp>
@@ -6019,17 +7143,56 @@
               <a:buNone/>
             </a:pPr>
             <a:r>
-              <a:rPr lang="en-US" sz="1361" dirty="0">
-                <a:solidFill>
-                  <a:srgbClr val="2C3249"/>
-                </a:solidFill>
-                <a:latin typeface="Martel Sans" pitchFamily="34" charset="0"/>
-                <a:ea typeface="Martel Sans" pitchFamily="34" charset="-122"/>
-                <a:cs typeface="Martel Sans" pitchFamily="34" charset="-120"/>
-              </a:rPr>
-              <a:t>Follow the prompts to create a new bucket, specifying the bucket name and region.</a:t>
-            </a:r>
-            <a:endParaRPr lang="en-US" sz="1361" dirty="0"/>
+              <a:rPr lang="en-US" sz="2400" dirty="0">
+                <a:solidFill>
+                  <a:srgbClr val="2C3249"/>
+                </a:solidFill>
+                <a:ea typeface="Martel Sans" pitchFamily="34" charset="-122"/>
+                <a:cs typeface="Martel Sans" pitchFamily="34" charset="-120"/>
+              </a:rPr>
+              <a:t>Follow the prompts to create a </a:t>
+            </a:r>
+            <a:r>
+              <a:rPr lang="en-US" sz="2400" dirty="0">
+                <a:solidFill>
+                  <a:srgbClr val="FF0000"/>
+                </a:solidFill>
+                <a:ea typeface="Martel Sans" pitchFamily="34" charset="-122"/>
+                <a:cs typeface="Martel Sans" pitchFamily="34" charset="-120"/>
+              </a:rPr>
+              <a:t>new bucket</a:t>
+            </a:r>
+            <a:r>
+              <a:rPr lang="en-US" sz="2400" dirty="0">
+                <a:solidFill>
+                  <a:srgbClr val="2C3249"/>
+                </a:solidFill>
+                <a:ea typeface="Martel Sans" pitchFamily="34" charset="-122"/>
+                <a:cs typeface="Martel Sans" pitchFamily="34" charset="-120"/>
+              </a:rPr>
+              <a:t>, specifying the </a:t>
+            </a:r>
+            <a:r>
+              <a:rPr lang="en-US" sz="2400" dirty="0">
+                <a:solidFill>
+                  <a:srgbClr val="FF0000"/>
+                </a:solidFill>
+                <a:ea typeface="Martel Sans" pitchFamily="34" charset="-122"/>
+                <a:cs typeface="Martel Sans" pitchFamily="34" charset="-120"/>
+              </a:rPr>
+              <a:t>bucket name and region</a:t>
+            </a:r>
+            <a:r>
+              <a:rPr lang="en-US" sz="2400" dirty="0">
+                <a:solidFill>
+                  <a:srgbClr val="2C3249"/>
+                </a:solidFill>
+                <a:ea typeface="Martel Sans" pitchFamily="34" charset="-122"/>
+                <a:cs typeface="Martel Sans" pitchFamily="34" charset="-120"/>
+              </a:rPr>
+              <a:t>.</a:t>
+            </a:r>
+            <a:endParaRPr lang="en-US" sz="2400" dirty="0"/>
           </a:p>
         </p:txBody>
       </p:sp>
@@ -6085,17 +7248,16 @@
               <a:buNone/>
             </a:pPr>
             <a:r>
-              <a:rPr lang="en-US" sz="1701" dirty="0">
-                <a:solidFill>
-                  <a:srgbClr val="2C3249"/>
-                </a:solidFill>
-                <a:latin typeface="Kanit" pitchFamily="34" charset="0"/>
+              <a:rPr lang="en-US" sz="3200" b="1" dirty="0">
+                <a:solidFill>
+                  <a:srgbClr val="2C3249"/>
+                </a:solidFill>
                 <a:ea typeface="Kanit" pitchFamily="34" charset="-122"/>
                 <a:cs typeface="Kanit" pitchFamily="34" charset="-120"/>
               </a:rPr>
               <a:t>Upload Objects</a:t>
             </a:r>
-            <a:endParaRPr lang="en-US" sz="1701" dirty="0"/>
+            <a:endParaRPr lang="en-US" sz="3200" b="1" dirty="0"/>
           </a:p>
         </p:txBody>
       </p:sp>
@@ -6127,17 +7289,56 @@
               <a:buNone/>
             </a:pPr>
             <a:r>
-              <a:rPr lang="en-US" sz="1361" dirty="0">
-                <a:solidFill>
-                  <a:srgbClr val="2C3249"/>
-                </a:solidFill>
-                <a:latin typeface="Martel Sans" pitchFamily="34" charset="0"/>
-                <a:ea typeface="Martel Sans" pitchFamily="34" charset="-122"/>
-                <a:cs typeface="Martel Sans" pitchFamily="34" charset="-120"/>
-              </a:rPr>
-              <a:t>Use the console or other tools to upload files to your bucket.</a:t>
-            </a:r>
-            <a:endParaRPr lang="en-US" sz="1361" dirty="0"/>
+              <a:rPr lang="en-US" sz="2400" dirty="0">
+                <a:solidFill>
+                  <a:srgbClr val="2C3249"/>
+                </a:solidFill>
+                <a:ea typeface="Martel Sans" pitchFamily="34" charset="-122"/>
+                <a:cs typeface="Martel Sans" pitchFamily="34" charset="-120"/>
+              </a:rPr>
+              <a:t>Use the console or other tools to </a:t>
+            </a:r>
+            <a:r>
+              <a:rPr lang="en-US" sz="2400" dirty="0">
+                <a:solidFill>
+                  <a:srgbClr val="FF0000"/>
+                </a:solidFill>
+                <a:ea typeface="Martel Sans" pitchFamily="34" charset="-122"/>
+                <a:cs typeface="Martel Sans" pitchFamily="34" charset="-120"/>
+              </a:rPr>
+              <a:t>upload files </a:t>
+            </a:r>
+            <a:r>
+              <a:rPr lang="en-US" sz="2400" dirty="0">
+                <a:solidFill>
+                  <a:srgbClr val="2C3249"/>
+                </a:solidFill>
+                <a:ea typeface="Martel Sans" pitchFamily="34" charset="-122"/>
+                <a:cs typeface="Martel Sans" pitchFamily="34" charset="-120"/>
+              </a:rPr>
+              <a:t>to your </a:t>
+            </a:r>
+            <a:r>
+              <a:rPr lang="en-US" sz="2400" dirty="0">
+                <a:solidFill>
+                  <a:srgbClr val="FF0000"/>
+                </a:solidFill>
+                <a:ea typeface="Martel Sans" pitchFamily="34" charset="-122"/>
+                <a:cs typeface="Martel Sans" pitchFamily="34" charset="-120"/>
+              </a:rPr>
+              <a:t>bucket</a:t>
+            </a:r>
+            <a:r>
+              <a:rPr lang="en-US" sz="2400" dirty="0">
+                <a:solidFill>
+                  <a:srgbClr val="2C3249"/>
+                </a:solidFill>
+                <a:ea typeface="Martel Sans" pitchFamily="34" charset="-122"/>
+                <a:cs typeface="Martel Sans" pitchFamily="34" charset="-120"/>
+              </a:rPr>
+              <a:t>.</a:t>
+            </a:r>
+            <a:endParaRPr lang="en-US" sz="2400" dirty="0"/>
           </a:p>
         </p:txBody>
       </p:sp>
@@ -6193,17 +7394,16 @@
               <a:buNone/>
             </a:pPr>
             <a:r>
-              <a:rPr lang="en-US" sz="1701" dirty="0">
-                <a:solidFill>
-                  <a:srgbClr val="2C3249"/>
-                </a:solidFill>
-                <a:latin typeface="Kanit" pitchFamily="34" charset="0"/>
+              <a:rPr lang="en-US" sz="3200" b="1" dirty="0">
+                <a:solidFill>
+                  <a:srgbClr val="2C3249"/>
+                </a:solidFill>
                 <a:ea typeface="Kanit" pitchFamily="34" charset="-122"/>
                 <a:cs typeface="Kanit" pitchFamily="34" charset="-120"/>
               </a:rPr>
               <a:t>Set Permissions</a:t>
             </a:r>
-            <a:endParaRPr lang="en-US" sz="1701" dirty="0"/>
+            <a:endParaRPr lang="en-US" sz="3200" b="1" dirty="0"/>
           </a:p>
         </p:txBody>
       </p:sp>
@@ -6235,17 +7435,36 @@
               <a:buNone/>
             </a:pPr>
             <a:r>
-              <a:rPr lang="en-US" sz="1361" dirty="0">
-                <a:solidFill>
-                  <a:srgbClr val="2C3249"/>
-                </a:solidFill>
-                <a:latin typeface="Martel Sans" pitchFamily="34" charset="0"/>
-                <a:ea typeface="Martel Sans" pitchFamily="34" charset="-122"/>
-                <a:cs typeface="Martel Sans" pitchFamily="34" charset="-120"/>
-              </a:rPr>
-              <a:t>Configure access permissions to control who can view or modify your data.</a:t>
-            </a:r>
-            <a:endParaRPr lang="en-US" sz="1361" dirty="0"/>
+              <a:rPr lang="en-US" sz="2400" dirty="0">
+                <a:solidFill>
+                  <a:srgbClr val="2C3249"/>
+                </a:solidFill>
+                <a:ea typeface="Martel Sans" pitchFamily="34" charset="-122"/>
+                <a:cs typeface="Martel Sans" pitchFamily="34" charset="-120"/>
+              </a:rPr>
+              <a:t>Configure </a:t>
+            </a:r>
+            <a:r>
+              <a:rPr lang="en-US" sz="2400" dirty="0">
+                <a:solidFill>
+                  <a:srgbClr val="FF0000"/>
+                </a:solidFill>
+                <a:ea typeface="Martel Sans" pitchFamily="34" charset="-122"/>
+                <a:cs typeface="Martel Sans" pitchFamily="34" charset="-120"/>
+              </a:rPr>
+              <a:t>access permissions </a:t>
+            </a:r>
+            <a:r>
+              <a:rPr lang="en-US" sz="2400" dirty="0">
+                <a:solidFill>
+                  <a:srgbClr val="2C3249"/>
+                </a:solidFill>
+                <a:ea typeface="Martel Sans" pitchFamily="34" charset="-122"/>
+                <a:cs typeface="Martel Sans" pitchFamily="34" charset="-120"/>
+              </a:rPr>
+              <a:t>to control who can view or modify your data.</a:t>
+            </a:r>
+            <a:endParaRPr lang="en-US" sz="2400" dirty="0"/>
           </a:p>
         </p:txBody>
       </p:sp>
@@ -6301,17 +7520,16 @@
               <a:buNone/>
             </a:pPr>
             <a:r>
-              <a:rPr lang="en-US" sz="1701" dirty="0">
-                <a:solidFill>
-                  <a:srgbClr val="2C3249"/>
-                </a:solidFill>
-                <a:latin typeface="Kanit" pitchFamily="34" charset="0"/>
+              <a:rPr lang="en-US" sz="3200" dirty="0">
+                <a:solidFill>
+                  <a:srgbClr val="2C3249"/>
+                </a:solidFill>
                 <a:ea typeface="Kanit" pitchFamily="34" charset="-122"/>
                 <a:cs typeface="Kanit" pitchFamily="34" charset="-120"/>
               </a:rPr>
               <a:t>Explore More Features</a:t>
             </a:r>
-            <a:endParaRPr lang="en-US" sz="1701" dirty="0"/>
+            <a:endParaRPr lang="en-US" sz="3200" dirty="0"/>
           </a:p>
         </p:txBody>
       </p:sp>
@@ -6343,17 +7561,16 @@
               <a:buNone/>
             </a:pPr>
             <a:r>
-              <a:rPr lang="en-US" sz="1361" dirty="0">
-                <a:solidFill>
-                  <a:srgbClr val="2C3249"/>
-                </a:solidFill>
-                <a:latin typeface="Martel Sans" pitchFamily="34" charset="0"/>
+              <a:rPr lang="en-US" sz="2400" dirty="0">
+                <a:solidFill>
+                  <a:srgbClr val="2C3249"/>
+                </a:solidFill>
                 <a:ea typeface="Martel Sans" pitchFamily="34" charset="-122"/>
                 <a:cs typeface="Martel Sans" pitchFamily="34" charset="-120"/>
               </a:rPr>
               <a:t>Experiment with different storage classes, lifecycle policies, versioning, and other features to understand how they can benefit your use case.</a:t>
             </a:r>
-            <a:endParaRPr lang="en-US" sz="1361" dirty="0"/>
+            <a:endParaRPr lang="en-US" sz="2400" dirty="0"/>
           </a:p>
         </p:txBody>
       </p:sp>
